--- a/writeup/cogsci2018/iatlang_poster.pptx
+++ b/writeup/cogsci2018/iatlang_poster.pptx
@@ -4,9 +4,11 @@
   <p:sldMasterIdLst>
     <p:sldMasterId id="2147483660" r:id="rId1"/>
   </p:sldMasterIdLst>
+  <p:notesMasterIdLst>
+    <p:notesMasterId r:id="rId3"/>
+  </p:notesMasterIdLst>
   <p:sldIdLst>
     <p:sldId id="256" r:id="rId2"/>
-    <p:sldId id="257" r:id="rId3"/>
   </p:sldIdLst>
   <p:sldSz cx="43891200" cy="32918400"/>
   <p:notesSz cx="6858000" cy="9144000"/>
@@ -105,7 +107,452 @@
       </a:defRPr>
     </a:lvl9pPr>
   </p:defaultTextStyle>
+  <p:extLst>
+    <p:ext uri="{EFAFB233-063F-42B5-8137-9DF3F51BA10A}">
+      <p15:sldGuideLst xmlns:p15="http://schemas.microsoft.com/office/powerpoint/2012/main"/>
+    </p:ext>
+  </p:extLst>
 </p:presentation>
+</file>
+
+<file path=ppt/notesMasters/notesMaster1.xml><?xml version="1.0" encoding="utf-8"?>
+<p:notesMaster xmlns:a="http://schemas.openxmlformats.org/drawingml/2006/main" xmlns:r="http://schemas.openxmlformats.org/officeDocument/2006/relationships" xmlns:p="http://schemas.openxmlformats.org/presentationml/2006/main">
+  <p:cSld>
+    <p:bg>
+      <p:bgRef idx="1001">
+        <a:schemeClr val="bg1"/>
+      </p:bgRef>
+    </p:bg>
+    <p:spTree>
+      <p:nvGrpSpPr>
+        <p:cNvPr id="1" name=""/>
+        <p:cNvGrpSpPr/>
+        <p:nvPr/>
+      </p:nvGrpSpPr>
+      <p:grpSpPr>
+        <a:xfrm>
+          <a:off x="0" y="0"/>
+          <a:ext cx="0" cy="0"/>
+          <a:chOff x="0" y="0"/>
+          <a:chExt cx="0" cy="0"/>
+        </a:xfrm>
+      </p:grpSpPr>
+      <p:sp>
+        <p:nvSpPr>
+          <p:cNvPr id="2" name="Header Placeholder 1"/>
+          <p:cNvSpPr>
+            <a:spLocks noGrp="1"/>
+          </p:cNvSpPr>
+          <p:nvPr>
+            <p:ph type="hdr" sz="quarter"/>
+          </p:nvPr>
+        </p:nvSpPr>
+        <p:spPr>
+          <a:xfrm>
+            <a:off x="0" y="0"/>
+            <a:ext cx="2971800" cy="458788"/>
+          </a:xfrm>
+          <a:prstGeom prst="rect">
+            <a:avLst/>
+          </a:prstGeom>
+        </p:spPr>
+        <p:txBody>
+          <a:bodyPr vert="horz" lIns="91440" tIns="45720" rIns="91440" bIns="45720" rtlCol="0"/>
+          <a:lstStyle>
+            <a:lvl1pPr algn="l">
+              <a:defRPr sz="1200"/>
+            </a:lvl1pPr>
+          </a:lstStyle>
+          <a:p>
+            <a:endParaRPr lang="en-US"/>
+          </a:p>
+        </p:txBody>
+      </p:sp>
+      <p:sp>
+        <p:nvSpPr>
+          <p:cNvPr id="3" name="Date Placeholder 2"/>
+          <p:cNvSpPr>
+            <a:spLocks noGrp="1"/>
+          </p:cNvSpPr>
+          <p:nvPr>
+            <p:ph type="dt" idx="1"/>
+          </p:nvPr>
+        </p:nvSpPr>
+        <p:spPr>
+          <a:xfrm>
+            <a:off x="3884613" y="0"/>
+            <a:ext cx="2971800" cy="458788"/>
+          </a:xfrm>
+          <a:prstGeom prst="rect">
+            <a:avLst/>
+          </a:prstGeom>
+        </p:spPr>
+        <p:txBody>
+          <a:bodyPr vert="horz" lIns="91440" tIns="45720" rIns="91440" bIns="45720" rtlCol="0"/>
+          <a:lstStyle>
+            <a:lvl1pPr algn="r">
+              <a:defRPr sz="1200"/>
+            </a:lvl1pPr>
+          </a:lstStyle>
+          <a:p>
+            <a:fld id="{75BB949D-DCA5-4E42-9249-521C362D48D1}" type="datetimeFigureOut">
+              <a:rPr lang="en-US" smtClean="0"/>
+              <a:t>7/19/18</a:t>
+            </a:fld>
+            <a:endParaRPr lang="en-US"/>
+          </a:p>
+        </p:txBody>
+      </p:sp>
+      <p:sp>
+        <p:nvSpPr>
+          <p:cNvPr id="4" name="Slide Image Placeholder 3"/>
+          <p:cNvSpPr>
+            <a:spLocks noGrp="1" noRot="1" noChangeAspect="1"/>
+          </p:cNvSpPr>
+          <p:nvPr>
+            <p:ph type="sldImg" idx="2"/>
+          </p:nvPr>
+        </p:nvSpPr>
+        <p:spPr>
+          <a:xfrm>
+            <a:off x="1371600" y="1143000"/>
+            <a:ext cx="4114800" cy="3086100"/>
+          </a:xfrm>
+          <a:prstGeom prst="rect">
+            <a:avLst/>
+          </a:prstGeom>
+          <a:noFill/>
+          <a:ln w="12700">
+            <a:solidFill>
+              <a:prstClr val="black"/>
+            </a:solidFill>
+          </a:ln>
+        </p:spPr>
+        <p:txBody>
+          <a:bodyPr vert="horz" lIns="91440" tIns="45720" rIns="91440" bIns="45720" rtlCol="0" anchor="ctr"/>
+          <a:lstStyle/>
+          <a:p>
+            <a:endParaRPr lang="en-US"/>
+          </a:p>
+        </p:txBody>
+      </p:sp>
+      <p:sp>
+        <p:nvSpPr>
+          <p:cNvPr id="5" name="Notes Placeholder 4"/>
+          <p:cNvSpPr>
+            <a:spLocks noGrp="1"/>
+          </p:cNvSpPr>
+          <p:nvPr>
+            <p:ph type="body" sz="quarter" idx="3"/>
+          </p:nvPr>
+        </p:nvSpPr>
+        <p:spPr>
+          <a:xfrm>
+            <a:off x="685800" y="4400550"/>
+            <a:ext cx="5486400" cy="3600450"/>
+          </a:xfrm>
+          <a:prstGeom prst="rect">
+            <a:avLst/>
+          </a:prstGeom>
+        </p:spPr>
+        <p:txBody>
+          <a:bodyPr vert="horz" lIns="91440" tIns="45720" rIns="91440" bIns="45720" rtlCol="0"/>
+          <a:lstStyle/>
+          <a:p>
+            <a:pPr lvl="0"/>
+            <a:r>
+              <a:rPr lang="en-US" smtClean="0"/>
+              <a:t>Click to edit Master text styles</a:t>
+            </a:r>
+          </a:p>
+          <a:p>
+            <a:pPr lvl="1"/>
+            <a:r>
+              <a:rPr lang="en-US" smtClean="0"/>
+              <a:t>Second level</a:t>
+            </a:r>
+          </a:p>
+          <a:p>
+            <a:pPr lvl="2"/>
+            <a:r>
+              <a:rPr lang="en-US" smtClean="0"/>
+              <a:t>Third level</a:t>
+            </a:r>
+          </a:p>
+          <a:p>
+            <a:pPr lvl="3"/>
+            <a:r>
+              <a:rPr lang="en-US" smtClean="0"/>
+              <a:t>Fourth level</a:t>
+            </a:r>
+          </a:p>
+          <a:p>
+            <a:pPr lvl="4"/>
+            <a:r>
+              <a:rPr lang="en-US" smtClean="0"/>
+              <a:t>Fifth level</a:t>
+            </a:r>
+            <a:endParaRPr lang="en-US"/>
+          </a:p>
+        </p:txBody>
+      </p:sp>
+      <p:sp>
+        <p:nvSpPr>
+          <p:cNvPr id="6" name="Footer Placeholder 5"/>
+          <p:cNvSpPr>
+            <a:spLocks noGrp="1"/>
+          </p:cNvSpPr>
+          <p:nvPr>
+            <p:ph type="ftr" sz="quarter" idx="4"/>
+          </p:nvPr>
+        </p:nvSpPr>
+        <p:spPr>
+          <a:xfrm>
+            <a:off x="0" y="8685213"/>
+            <a:ext cx="2971800" cy="458787"/>
+          </a:xfrm>
+          <a:prstGeom prst="rect">
+            <a:avLst/>
+          </a:prstGeom>
+        </p:spPr>
+        <p:txBody>
+          <a:bodyPr vert="horz" lIns="91440" tIns="45720" rIns="91440" bIns="45720" rtlCol="0" anchor="b"/>
+          <a:lstStyle>
+            <a:lvl1pPr algn="l">
+              <a:defRPr sz="1200"/>
+            </a:lvl1pPr>
+          </a:lstStyle>
+          <a:p>
+            <a:endParaRPr lang="en-US"/>
+          </a:p>
+        </p:txBody>
+      </p:sp>
+      <p:sp>
+        <p:nvSpPr>
+          <p:cNvPr id="7" name="Slide Number Placeholder 6"/>
+          <p:cNvSpPr>
+            <a:spLocks noGrp="1"/>
+          </p:cNvSpPr>
+          <p:nvPr>
+            <p:ph type="sldNum" sz="quarter" idx="5"/>
+          </p:nvPr>
+        </p:nvSpPr>
+        <p:spPr>
+          <a:xfrm>
+            <a:off x="3884613" y="8685213"/>
+            <a:ext cx="2971800" cy="458787"/>
+          </a:xfrm>
+          <a:prstGeom prst="rect">
+            <a:avLst/>
+          </a:prstGeom>
+        </p:spPr>
+        <p:txBody>
+          <a:bodyPr vert="horz" lIns="91440" tIns="45720" rIns="91440" bIns="45720" rtlCol="0" anchor="b"/>
+          <a:lstStyle>
+            <a:lvl1pPr algn="r">
+              <a:defRPr sz="1200"/>
+            </a:lvl1pPr>
+          </a:lstStyle>
+          <a:p>
+            <a:fld id="{A21CC290-C3D0-B14F-9A5E-F0E58E334837}" type="slidenum">
+              <a:rPr lang="en-US" smtClean="0"/>
+              <a:t>‹#›</a:t>
+            </a:fld>
+            <a:endParaRPr lang="en-US"/>
+          </a:p>
+        </p:txBody>
+      </p:sp>
+    </p:spTree>
+    <p:extLst>
+      <p:ext uri="{BB962C8B-B14F-4D97-AF65-F5344CB8AC3E}">
+        <p14:creationId xmlns:p14="http://schemas.microsoft.com/office/powerpoint/2010/main" val="1821073664"/>
+      </p:ext>
+    </p:extLst>
+  </p:cSld>
+  <p:clrMap bg1="lt1" tx1="dk1" bg2="lt2" tx2="dk2" accent1="accent1" accent2="accent2" accent3="accent3" accent4="accent4" accent5="accent5" accent6="accent6" hlink="hlink" folHlink="folHlink"/>
+  <p:notesStyle>
+    <a:lvl1pPr marL="0" algn="l" defTabSz="914400" rtl="0" eaLnBrk="1" latinLnBrk="0" hangingPunct="1">
+      <a:defRPr sz="1200" kern="1200">
+        <a:solidFill>
+          <a:schemeClr val="tx1"/>
+        </a:solidFill>
+        <a:latin typeface="+mn-lt"/>
+        <a:ea typeface="+mn-ea"/>
+        <a:cs typeface="+mn-cs"/>
+      </a:defRPr>
+    </a:lvl1pPr>
+    <a:lvl2pPr marL="457200" algn="l" defTabSz="914400" rtl="0" eaLnBrk="1" latinLnBrk="0" hangingPunct="1">
+      <a:defRPr sz="1200" kern="1200">
+        <a:solidFill>
+          <a:schemeClr val="tx1"/>
+        </a:solidFill>
+        <a:latin typeface="+mn-lt"/>
+        <a:ea typeface="+mn-ea"/>
+        <a:cs typeface="+mn-cs"/>
+      </a:defRPr>
+    </a:lvl2pPr>
+    <a:lvl3pPr marL="914400" algn="l" defTabSz="914400" rtl="0" eaLnBrk="1" latinLnBrk="0" hangingPunct="1">
+      <a:defRPr sz="1200" kern="1200">
+        <a:solidFill>
+          <a:schemeClr val="tx1"/>
+        </a:solidFill>
+        <a:latin typeface="+mn-lt"/>
+        <a:ea typeface="+mn-ea"/>
+        <a:cs typeface="+mn-cs"/>
+      </a:defRPr>
+    </a:lvl3pPr>
+    <a:lvl4pPr marL="1371600" algn="l" defTabSz="914400" rtl="0" eaLnBrk="1" latinLnBrk="0" hangingPunct="1">
+      <a:defRPr sz="1200" kern="1200">
+        <a:solidFill>
+          <a:schemeClr val="tx1"/>
+        </a:solidFill>
+        <a:latin typeface="+mn-lt"/>
+        <a:ea typeface="+mn-ea"/>
+        <a:cs typeface="+mn-cs"/>
+      </a:defRPr>
+    </a:lvl4pPr>
+    <a:lvl5pPr marL="1828800" algn="l" defTabSz="914400" rtl="0" eaLnBrk="1" latinLnBrk="0" hangingPunct="1">
+      <a:defRPr sz="1200" kern="1200">
+        <a:solidFill>
+          <a:schemeClr val="tx1"/>
+        </a:solidFill>
+        <a:latin typeface="+mn-lt"/>
+        <a:ea typeface="+mn-ea"/>
+        <a:cs typeface="+mn-cs"/>
+      </a:defRPr>
+    </a:lvl5pPr>
+    <a:lvl6pPr marL="2286000" algn="l" defTabSz="914400" rtl="0" eaLnBrk="1" latinLnBrk="0" hangingPunct="1">
+      <a:defRPr sz="1200" kern="1200">
+        <a:solidFill>
+          <a:schemeClr val="tx1"/>
+        </a:solidFill>
+        <a:latin typeface="+mn-lt"/>
+        <a:ea typeface="+mn-ea"/>
+        <a:cs typeface="+mn-cs"/>
+      </a:defRPr>
+    </a:lvl6pPr>
+    <a:lvl7pPr marL="2743200" algn="l" defTabSz="914400" rtl="0" eaLnBrk="1" latinLnBrk="0" hangingPunct="1">
+      <a:defRPr sz="1200" kern="1200">
+        <a:solidFill>
+          <a:schemeClr val="tx1"/>
+        </a:solidFill>
+        <a:latin typeface="+mn-lt"/>
+        <a:ea typeface="+mn-ea"/>
+        <a:cs typeface="+mn-cs"/>
+      </a:defRPr>
+    </a:lvl7pPr>
+    <a:lvl8pPr marL="3200400" algn="l" defTabSz="914400" rtl="0" eaLnBrk="1" latinLnBrk="0" hangingPunct="1">
+      <a:defRPr sz="1200" kern="1200">
+        <a:solidFill>
+          <a:schemeClr val="tx1"/>
+        </a:solidFill>
+        <a:latin typeface="+mn-lt"/>
+        <a:ea typeface="+mn-ea"/>
+        <a:cs typeface="+mn-cs"/>
+      </a:defRPr>
+    </a:lvl8pPr>
+    <a:lvl9pPr marL="3657600" algn="l" defTabSz="914400" rtl="0" eaLnBrk="1" latinLnBrk="0" hangingPunct="1">
+      <a:defRPr sz="1200" kern="1200">
+        <a:solidFill>
+          <a:schemeClr val="tx1"/>
+        </a:solidFill>
+        <a:latin typeface="+mn-lt"/>
+        <a:ea typeface="+mn-ea"/>
+        <a:cs typeface="+mn-cs"/>
+      </a:defRPr>
+    </a:lvl9pPr>
+  </p:notesStyle>
+</p:notesMaster>
+</file>
+
+<file path=ppt/notesSlides/notesSlide1.xml><?xml version="1.0" encoding="utf-8"?>
+<p:notes xmlns:a="http://schemas.openxmlformats.org/drawingml/2006/main" xmlns:r="http://schemas.openxmlformats.org/officeDocument/2006/relationships" xmlns:p="http://schemas.openxmlformats.org/presentationml/2006/main">
+  <p:cSld>
+    <p:spTree>
+      <p:nvGrpSpPr>
+        <p:cNvPr id="1" name=""/>
+        <p:cNvGrpSpPr/>
+        <p:nvPr/>
+      </p:nvGrpSpPr>
+      <p:grpSpPr>
+        <a:xfrm>
+          <a:off x="0" y="0"/>
+          <a:ext cx="0" cy="0"/>
+          <a:chOff x="0" y="0"/>
+          <a:chExt cx="0" cy="0"/>
+        </a:xfrm>
+      </p:grpSpPr>
+      <p:sp>
+        <p:nvSpPr>
+          <p:cNvPr id="2" name="Slide Image Placeholder 1"/>
+          <p:cNvSpPr>
+            <a:spLocks noGrp="1" noRot="1" noChangeAspect="1"/>
+          </p:cNvSpPr>
+          <p:nvPr>
+            <p:ph type="sldImg"/>
+          </p:nvPr>
+        </p:nvSpPr>
+        <p:spPr/>
+      </p:sp>
+      <p:sp>
+        <p:nvSpPr>
+          <p:cNvPr id="3" name="Notes Placeholder 2"/>
+          <p:cNvSpPr>
+            <a:spLocks noGrp="1"/>
+          </p:cNvSpPr>
+          <p:nvPr>
+            <p:ph type="body" idx="1"/>
+          </p:nvPr>
+        </p:nvSpPr>
+        <p:spPr/>
+        <p:txBody>
+          <a:bodyPr/>
+          <a:lstStyle/>
+          <a:p>
+            <a:endParaRPr lang="en-US" baseline="0" dirty="0" smtClean="0"/>
+          </a:p>
+          <a:p>
+            <a:endParaRPr lang="en-US" baseline="0" dirty="0" smtClean="0"/>
+          </a:p>
+          <a:p>
+            <a:endParaRPr lang="en-US" dirty="0" smtClean="0"/>
+          </a:p>
+        </p:txBody>
+      </p:sp>
+      <p:sp>
+        <p:nvSpPr>
+          <p:cNvPr id="4" name="Slide Number Placeholder 3"/>
+          <p:cNvSpPr>
+            <a:spLocks noGrp="1"/>
+          </p:cNvSpPr>
+          <p:nvPr>
+            <p:ph type="sldNum" sz="quarter" idx="10"/>
+          </p:nvPr>
+        </p:nvSpPr>
+        <p:spPr/>
+        <p:txBody>
+          <a:bodyPr/>
+          <a:lstStyle/>
+          <a:p>
+            <a:fld id="{A21CC290-C3D0-B14F-9A5E-F0E58E334837}" type="slidenum">
+              <a:rPr lang="en-US" smtClean="0"/>
+              <a:t>1</a:t>
+            </a:fld>
+            <a:endParaRPr lang="en-US"/>
+          </a:p>
+        </p:txBody>
+      </p:sp>
+    </p:spTree>
+    <p:extLst>
+      <p:ext uri="{BB962C8B-B14F-4D97-AF65-F5344CB8AC3E}">
+        <p14:creationId xmlns:p14="http://schemas.microsoft.com/office/powerpoint/2010/main" val="848133804"/>
+      </p:ext>
+    </p:extLst>
+  </p:cSld>
+  <p:clrMapOvr>
+    <a:masterClrMapping/>
+  </p:clrMapOvr>
+</p:notes>
 </file>
 
 <file path=ppt/slideLayouts/slideLayout1.xml><?xml version="1.0" encoding="utf-8"?>
@@ -239,7 +686,7 @@
           <a:p>
             <a:fld id="{B32946F8-6AD3-6841-A5F6-21D6B04F8DB3}" type="datetimeFigureOut">
               <a:rPr lang="en-US" smtClean="0"/>
-              <a:t>7/17/18</a:t>
+              <a:t>7/19/18</a:t>
             </a:fld>
             <a:endParaRPr lang="en-US"/>
           </a:p>
@@ -404,7 +851,7 @@
           <a:p>
             <a:fld id="{B32946F8-6AD3-6841-A5F6-21D6B04F8DB3}" type="datetimeFigureOut">
               <a:rPr lang="en-US" smtClean="0"/>
-              <a:t>7/17/18</a:t>
+              <a:t>7/19/18</a:t>
             </a:fld>
             <a:endParaRPr lang="en-US"/>
           </a:p>
@@ -579,7 +1026,7 @@
           <a:p>
             <a:fld id="{B32946F8-6AD3-6841-A5F6-21D6B04F8DB3}" type="datetimeFigureOut">
               <a:rPr lang="en-US" smtClean="0"/>
-              <a:t>7/17/18</a:t>
+              <a:t>7/19/18</a:t>
             </a:fld>
             <a:endParaRPr lang="en-US"/>
           </a:p>
@@ -744,7 +1191,7 @@
           <a:p>
             <a:fld id="{B32946F8-6AD3-6841-A5F6-21D6B04F8DB3}" type="datetimeFigureOut">
               <a:rPr lang="en-US" smtClean="0"/>
-              <a:t>7/17/18</a:t>
+              <a:t>7/19/18</a:t>
             </a:fld>
             <a:endParaRPr lang="en-US"/>
           </a:p>
@@ -983,7 +1430,7 @@
           <a:p>
             <a:fld id="{B32946F8-6AD3-6841-A5F6-21D6B04F8DB3}" type="datetimeFigureOut">
               <a:rPr lang="en-US" smtClean="0"/>
-              <a:t>7/17/18</a:t>
+              <a:t>7/19/18</a:t>
             </a:fld>
             <a:endParaRPr lang="en-US"/>
           </a:p>
@@ -1210,7 +1657,7 @@
           <a:p>
             <a:fld id="{B32946F8-6AD3-6841-A5F6-21D6B04F8DB3}" type="datetimeFigureOut">
               <a:rPr lang="en-US" smtClean="0"/>
-              <a:t>7/17/18</a:t>
+              <a:t>7/19/18</a:t>
             </a:fld>
             <a:endParaRPr lang="en-US"/>
           </a:p>
@@ -1572,7 +2019,7 @@
           <a:p>
             <a:fld id="{B32946F8-6AD3-6841-A5F6-21D6B04F8DB3}" type="datetimeFigureOut">
               <a:rPr lang="en-US" smtClean="0"/>
-              <a:t>7/17/18</a:t>
+              <a:t>7/19/18</a:t>
             </a:fld>
             <a:endParaRPr lang="en-US"/>
           </a:p>
@@ -1685,7 +2132,7 @@
           <a:p>
             <a:fld id="{B32946F8-6AD3-6841-A5F6-21D6B04F8DB3}" type="datetimeFigureOut">
               <a:rPr lang="en-US" smtClean="0"/>
-              <a:t>7/17/18</a:t>
+              <a:t>7/19/18</a:t>
             </a:fld>
             <a:endParaRPr lang="en-US"/>
           </a:p>
@@ -1775,7 +2222,7 @@
           <a:p>
             <a:fld id="{B32946F8-6AD3-6841-A5F6-21D6B04F8DB3}" type="datetimeFigureOut">
               <a:rPr lang="en-US" smtClean="0"/>
-              <a:t>7/17/18</a:t>
+              <a:t>7/19/18</a:t>
             </a:fld>
             <a:endParaRPr lang="en-US"/>
           </a:p>
@@ -2047,7 +2494,7 @@
           <a:p>
             <a:fld id="{B32946F8-6AD3-6841-A5F6-21D6B04F8DB3}" type="datetimeFigureOut">
               <a:rPr lang="en-US" smtClean="0"/>
-              <a:t>7/17/18</a:t>
+              <a:t>7/19/18</a:t>
             </a:fld>
             <a:endParaRPr lang="en-US"/>
           </a:p>
@@ -2299,7 +2746,7 @@
           <a:p>
             <a:fld id="{B32946F8-6AD3-6841-A5F6-21D6B04F8DB3}" type="datetimeFigureOut">
               <a:rPr lang="en-US" smtClean="0"/>
-              <a:t>7/17/18</a:t>
+              <a:t>7/19/18</a:t>
             </a:fld>
             <a:endParaRPr lang="en-US"/>
           </a:p>
@@ -2507,7 +2954,7 @@
           <a:p>
             <a:fld id="{B32946F8-6AD3-6841-A5F6-21D6B04F8DB3}" type="datetimeFigureOut">
               <a:rPr lang="en-US" smtClean="0"/>
-              <a:t>7/17/18</a:t>
+              <a:t>7/19/18</a:t>
             </a:fld>
             <a:endParaRPr lang="en-US"/>
           </a:p>
@@ -2912,6 +3359,35 @@
           <a:chExt cx="0" cy="0"/>
         </a:xfrm>
       </p:grpSpPr>
+      <p:pic>
+        <p:nvPicPr>
+          <p:cNvPr id="37" name="Picture 36"/>
+          <p:cNvPicPr>
+            <a:picLocks noChangeAspect="1"/>
+          </p:cNvPicPr>
+          <p:nvPr/>
+        </p:nvPicPr>
+        <p:blipFill rotWithShape="1">
+          <a:blip r:embed="rId3">
+            <a:extLst>
+              <a:ext uri="{28A0092B-C50C-407E-A947-70E740481C1C}">
+                <a14:useLocalDpi xmlns:a14="http://schemas.microsoft.com/office/drawing/2010/main" val="0"/>
+              </a:ext>
+            </a:extLst>
+          </a:blip>
+          <a:srcRect b="90867"/>
+          <a:stretch/>
+        </p:blipFill>
+        <p:spPr>
+          <a:xfrm>
+            <a:off x="420296" y="21615893"/>
+            <a:ext cx="19715493" cy="1062464"/>
+          </a:xfrm>
+          <a:prstGeom prst="rect">
+            <a:avLst/>
+          </a:prstGeom>
+        </p:spPr>
+      </p:pic>
       <p:sp>
         <p:nvSpPr>
           <p:cNvPr id="20" name="Rounded Rectangle 19"/>
@@ -2921,7 +3397,7 @@
         <p:spPr>
           <a:xfrm>
             <a:off x="700648" y="6170806"/>
-            <a:ext cx="19328461" cy="7866116"/>
+            <a:ext cx="19328461" cy="7650354"/>
           </a:xfrm>
           <a:prstGeom prst="roundRect">
             <a:avLst>
@@ -3015,7 +3491,7 @@
         </p:nvSpPr>
         <p:spPr>
           <a:xfrm>
-            <a:off x="-1519797" y="1056640"/>
+            <a:off x="-666357" y="1056640"/>
             <a:ext cx="45410997" cy="1517723"/>
           </a:xfrm>
           <a:prstGeom prst="rect">
@@ -3045,14 +3521,6 @@
               </a:rPr>
               <a:t>Language use shapes cultural norms: Large scale evidence from gender</a:t>
             </a:r>
-            <a:endParaRPr lang="en-US" sz="8500" b="1" dirty="0" smtClean="0">
-              <a:solidFill>
-                <a:schemeClr val="bg1"/>
-              </a:solidFill>
-              <a:latin typeface="Arial" charset="0"/>
-              <a:ea typeface="Arial" charset="0"/>
-              <a:cs typeface="Arial" charset="0"/>
-            </a:endParaRPr>
           </a:p>
         </p:txBody>
       </p:sp>
@@ -3178,916 +3646,12 @@
               </a:rPr>
               <a:t>University of Chicago </a:t>
             </a:r>
-            <a:endParaRPr lang="en-US" sz="5600" dirty="0" smtClean="0">
-              <a:solidFill>
-                <a:schemeClr val="bg1"/>
-              </a:solidFill>
-              <a:latin typeface="Arial" charset="0"/>
-              <a:ea typeface="Arial" charset="0"/>
-              <a:cs typeface="Arial" charset="0"/>
-            </a:endParaRPr>
           </a:p>
         </p:txBody>
       </p:sp>
       <p:pic>
         <p:nvPicPr>
           <p:cNvPr id="10" name="Picture 9"/>
-          <p:cNvPicPr>
-            <a:picLocks noChangeAspect="1"/>
-          </p:cNvPicPr>
-          <p:nvPr/>
-        </p:nvPicPr>
-        <p:blipFill>
-          <a:blip r:embed="rId2">
-            <a:extLst>
-              <a:ext uri="{28A0092B-C50C-407E-A947-70E740481C1C}">
-                <a14:useLocalDpi xmlns:a14="http://schemas.microsoft.com/office/drawing/2010/main" val="0"/>
-              </a:ext>
-            </a:extLst>
-          </a:blip>
-          <a:stretch>
-            <a:fillRect/>
-          </a:stretch>
-        </p:blipFill>
-        <p:spPr>
-          <a:xfrm>
-            <a:off x="35386647" y="22430063"/>
-            <a:ext cx="7955717" cy="5520293"/>
-          </a:xfrm>
-          <a:prstGeom prst="rect">
-            <a:avLst/>
-          </a:prstGeom>
-        </p:spPr>
-      </p:pic>
-      <p:pic>
-        <p:nvPicPr>
-          <p:cNvPr id="14" name="Picture 13"/>
-          <p:cNvPicPr>
-            <a:picLocks noChangeAspect="1"/>
-          </p:cNvPicPr>
-          <p:nvPr/>
-        </p:nvPicPr>
-        <p:blipFill rotWithShape="1">
-          <a:blip r:embed="rId3">
-            <a:extLst>
-              <a:ext uri="{28A0092B-C50C-407E-A947-70E740481C1C}">
-                <a14:useLocalDpi xmlns:a14="http://schemas.microsoft.com/office/drawing/2010/main" val="0"/>
-              </a:ext>
-            </a:extLst>
-          </a:blip>
-          <a:srcRect t="8914"/>
-          <a:stretch/>
-        </p:blipFill>
-        <p:spPr>
-          <a:xfrm>
-            <a:off x="1215360" y="23151595"/>
-            <a:ext cx="20119856" cy="9738492"/>
-          </a:xfrm>
-          <a:prstGeom prst="rect">
-            <a:avLst/>
-          </a:prstGeom>
-        </p:spPr>
-      </p:pic>
-      <p:sp>
-        <p:nvSpPr>
-          <p:cNvPr id="15" name="Rectangle 14"/>
-          <p:cNvSpPr/>
-          <p:nvPr/>
-        </p:nvSpPr>
-        <p:spPr>
-          <a:xfrm>
-            <a:off x="700648" y="14702005"/>
-            <a:ext cx="12869229" cy="954107"/>
-          </a:xfrm>
-          <a:prstGeom prst="rect">
-            <a:avLst/>
-          </a:prstGeom>
-        </p:spPr>
-        <p:txBody>
-          <a:bodyPr wrap="none">
-            <a:spAutoFit/>
-          </a:bodyPr>
-          <a:lstStyle/>
-          <a:p>
-            <a:r>
-              <a:rPr lang="en-US" sz="5600" b="1" dirty="0" smtClean="0">
-                <a:latin typeface="Arial" charset="0"/>
-                <a:ea typeface="Arial" charset="0"/>
-                <a:cs typeface="Arial" charset="0"/>
-              </a:rPr>
-              <a:t>Study 1: Gender bias across cultures</a:t>
-            </a:r>
-            <a:endParaRPr lang="en-US" sz="5600" b="1" dirty="0">
-              <a:latin typeface="Arial" charset="0"/>
-              <a:ea typeface="Arial" charset="0"/>
-              <a:cs typeface="Arial" charset="0"/>
-            </a:endParaRPr>
-          </a:p>
-        </p:txBody>
-      </p:sp>
-      <p:sp>
-        <p:nvSpPr>
-          <p:cNvPr id="18" name="Rectangle 17"/>
-          <p:cNvSpPr/>
-          <p:nvPr/>
-        </p:nvSpPr>
-        <p:spPr>
-          <a:xfrm>
-            <a:off x="985994" y="5409033"/>
-            <a:ext cx="18785317" cy="8925520"/>
-          </a:xfrm>
-          <a:prstGeom prst="rect">
-            <a:avLst/>
-          </a:prstGeom>
-        </p:spPr>
-        <p:txBody>
-          <a:bodyPr wrap="square">
-            <a:spAutoFit/>
-          </a:bodyPr>
-          <a:lstStyle/>
-          <a:p>
-            <a:endParaRPr lang="en-US" sz="7200" dirty="0" smtClean="0">
-              <a:latin typeface="Arial" charset="0"/>
-              <a:ea typeface="Arial" charset="0"/>
-              <a:cs typeface="Arial" charset="0"/>
-            </a:endParaRPr>
-          </a:p>
-          <a:p>
-            <a:r>
-              <a:rPr lang="en-US" sz="5400" dirty="0" smtClean="0">
-                <a:latin typeface="Arial" charset="0"/>
-                <a:ea typeface="Arial" charset="0"/>
-                <a:cs typeface="Arial" charset="0"/>
-              </a:rPr>
-              <a:t>What role do word-co-occurrences and grammatical structure play in shaping cultural norms?</a:t>
-            </a:r>
-          </a:p>
-          <a:p>
-            <a:endParaRPr lang="en-US" sz="5400" dirty="0" smtClean="0">
-              <a:latin typeface="Arial" charset="0"/>
-              <a:ea typeface="Arial" charset="0"/>
-              <a:cs typeface="Arial" charset="0"/>
-            </a:endParaRPr>
-          </a:p>
-          <a:p>
-            <a:r>
-              <a:rPr lang="en-US" sz="5400" b="1" dirty="0" smtClean="0">
-                <a:latin typeface="Arial" charset="0"/>
-                <a:ea typeface="Arial" charset="0"/>
-                <a:cs typeface="Arial" charset="0"/>
-              </a:rPr>
-              <a:t>Gender bias</a:t>
-            </a:r>
-            <a:r>
-              <a:rPr lang="en-US" sz="5400" dirty="0" smtClean="0">
-                <a:latin typeface="Arial" charset="0"/>
-                <a:ea typeface="Arial" charset="0"/>
-                <a:cs typeface="Arial" charset="0"/>
-              </a:rPr>
-              <a:t> as a case study</a:t>
-            </a:r>
-            <a:r>
-              <a:rPr lang="en-US" sz="5400" dirty="0" smtClean="0">
-                <a:latin typeface="Arial" charset="0"/>
-                <a:ea typeface="Arial" charset="0"/>
-                <a:cs typeface="Arial" charset="0"/>
-              </a:rPr>
-              <a:t> </a:t>
-            </a:r>
-            <a:r>
-              <a:rPr lang="mr-IN" sz="5400" dirty="0" smtClean="0">
-                <a:latin typeface="Arial" charset="0"/>
-                <a:ea typeface="Arial" charset="0"/>
-                <a:cs typeface="Arial" charset="0"/>
-              </a:rPr>
-              <a:t>–</a:t>
-            </a:r>
-            <a:r>
-              <a:rPr lang="en-US" sz="5400" dirty="0" smtClean="0">
-                <a:latin typeface="Arial" charset="0"/>
-                <a:ea typeface="Arial" charset="0"/>
-                <a:cs typeface="Arial" charset="0"/>
-              </a:rPr>
-              <a:t> </a:t>
-            </a:r>
-            <a:r>
-              <a:rPr lang="en-US" sz="5400" dirty="0" smtClean="0">
-                <a:latin typeface="Arial" charset="0"/>
-                <a:ea typeface="Arial" charset="0"/>
-                <a:cs typeface="Arial" charset="0"/>
-              </a:rPr>
-              <a:t>abstract domain </a:t>
-            </a:r>
-            <a:r>
-              <a:rPr lang="en-US" sz="3600" dirty="0" smtClean="0">
-                <a:latin typeface="Arial" charset="0"/>
-                <a:ea typeface="Arial" charset="0"/>
-                <a:cs typeface="Arial" charset="0"/>
-              </a:rPr>
-              <a:t>(</a:t>
-            </a:r>
-            <a:r>
-              <a:rPr lang="en-US" sz="3600" dirty="0" err="1" smtClean="0">
-                <a:latin typeface="Arial" charset="0"/>
-                <a:ea typeface="Arial" charset="0"/>
-                <a:cs typeface="Arial" charset="0"/>
-              </a:rPr>
-              <a:t>Boroditsky</a:t>
-            </a:r>
-            <a:r>
-              <a:rPr lang="en-US" sz="3600" dirty="0" smtClean="0">
-                <a:latin typeface="Arial" charset="0"/>
-                <a:ea typeface="Arial" charset="0"/>
-                <a:cs typeface="Arial" charset="0"/>
-              </a:rPr>
-              <a:t>, 2001), </a:t>
-            </a:r>
-            <a:r>
-              <a:rPr lang="en-US" sz="5400" dirty="0" smtClean="0">
-                <a:latin typeface="Arial" charset="0"/>
-                <a:ea typeface="Arial" charset="0"/>
-                <a:cs typeface="Arial" charset="0"/>
-              </a:rPr>
-              <a:t>grammatically encoded, and culturally transmitted </a:t>
-            </a:r>
-            <a:r>
-              <a:rPr lang="en-US" sz="3600" dirty="0" smtClean="0">
-                <a:latin typeface="Arial" charset="0"/>
-                <a:ea typeface="Arial" charset="0"/>
-                <a:cs typeface="Arial" charset="0"/>
-              </a:rPr>
-              <a:t>(e.g., Master, </a:t>
-            </a:r>
-            <a:r>
-              <a:rPr lang="en-US" sz="3600" dirty="0" err="1" smtClean="0">
-                <a:latin typeface="Arial" charset="0"/>
-                <a:ea typeface="Arial" charset="0"/>
-                <a:cs typeface="Arial" charset="0"/>
-              </a:rPr>
-              <a:t>Markman</a:t>
-            </a:r>
-            <a:r>
-              <a:rPr lang="en-US" sz="3600" dirty="0" smtClean="0">
-                <a:latin typeface="Arial" charset="0"/>
-                <a:ea typeface="Arial" charset="0"/>
-                <a:cs typeface="Arial" charset="0"/>
-              </a:rPr>
-              <a:t>, &amp; </a:t>
-            </a:r>
-            <a:r>
-              <a:rPr lang="en-US" sz="3600" dirty="0" err="1" smtClean="0">
-                <a:latin typeface="Arial" charset="0"/>
-                <a:ea typeface="Arial" charset="0"/>
-                <a:cs typeface="Arial" charset="0"/>
-              </a:rPr>
-              <a:t>Dweck</a:t>
-            </a:r>
-            <a:r>
-              <a:rPr lang="en-US" sz="3600" dirty="0" smtClean="0">
-                <a:latin typeface="Arial" charset="0"/>
-                <a:ea typeface="Arial" charset="0"/>
-                <a:cs typeface="Arial" charset="0"/>
-              </a:rPr>
-              <a:t>, 2012)</a:t>
-            </a:r>
-          </a:p>
-          <a:p>
-            <a:endParaRPr lang="en-US" sz="3200" dirty="0" smtClean="0">
-              <a:latin typeface="Arial" charset="0"/>
-              <a:ea typeface="Arial" charset="0"/>
-              <a:cs typeface="Arial" charset="0"/>
-            </a:endParaRPr>
-          </a:p>
-          <a:p>
-            <a:r>
-              <a:rPr lang="en-US" sz="5400" dirty="0" smtClean="0">
-                <a:latin typeface="Arial" charset="0"/>
-                <a:ea typeface="Arial" charset="0"/>
-                <a:cs typeface="Arial" charset="0"/>
-              </a:rPr>
-              <a:t>Hypotheses: (1) Language as reflection of speakers’ gender biases, or (2) language as causally related?</a:t>
-            </a:r>
-            <a:endParaRPr lang="en-US" sz="6000" dirty="0" smtClean="0">
-              <a:latin typeface="Arial" charset="0"/>
-              <a:ea typeface="Arial" charset="0"/>
-              <a:cs typeface="Arial" charset="0"/>
-            </a:endParaRPr>
-          </a:p>
-          <a:p>
-            <a:pPr marL="1143000" indent="-1143000">
-              <a:buFont typeface="Arial" charset="0"/>
-              <a:buChar char="•"/>
-            </a:pPr>
-            <a:endParaRPr lang="en-US" sz="5600" dirty="0">
-              <a:latin typeface="Arial" charset="0"/>
-              <a:ea typeface="Arial" charset="0"/>
-              <a:cs typeface="Arial" charset="0"/>
-            </a:endParaRPr>
-          </a:p>
-        </p:txBody>
-      </p:sp>
-      <p:sp>
-        <p:nvSpPr>
-          <p:cNvPr id="21" name="TextBox 20"/>
-          <p:cNvSpPr txBox="1"/>
-          <p:nvPr/>
-        </p:nvSpPr>
-        <p:spPr>
-          <a:xfrm>
-            <a:off x="737709" y="15954070"/>
-            <a:ext cx="13491312" cy="2923877"/>
-          </a:xfrm>
-          <a:prstGeom prst="rect">
-            <a:avLst/>
-          </a:prstGeom>
-          <a:noFill/>
-        </p:spPr>
-        <p:txBody>
-          <a:bodyPr wrap="square" rtlCol="0">
-            <a:spAutoFit/>
-          </a:bodyPr>
-          <a:lstStyle/>
-          <a:p>
-            <a:r>
-              <a:rPr lang="en-US" sz="4800" dirty="0" smtClean="0">
-                <a:latin typeface="Arial" charset="0"/>
-                <a:ea typeface="Arial" charset="0"/>
-                <a:cs typeface="Arial" charset="0"/>
-              </a:rPr>
-              <a:t>Implicit Association Task </a:t>
-            </a:r>
-            <a:r>
-              <a:rPr lang="en-US" sz="4800" dirty="0" smtClean="0">
-                <a:latin typeface="Arial" charset="0"/>
-                <a:ea typeface="Arial" charset="0"/>
-                <a:cs typeface="Arial" charset="0"/>
-              </a:rPr>
-              <a:t>(IAT) </a:t>
-            </a:r>
-            <a:r>
-              <a:rPr lang="mr-IN" sz="4800" dirty="0" smtClean="0">
-                <a:latin typeface="Arial" charset="0"/>
-                <a:ea typeface="Arial" charset="0"/>
-                <a:cs typeface="Arial" charset="0"/>
-              </a:rPr>
-              <a:t>–</a:t>
-            </a:r>
-            <a:r>
-              <a:rPr lang="en-US" sz="4800" dirty="0" smtClean="0">
-                <a:latin typeface="Arial" charset="0"/>
-                <a:ea typeface="Arial" charset="0"/>
-                <a:cs typeface="Arial" charset="0"/>
-              </a:rPr>
-              <a:t> behavioral measure of the strength of respondents’ implicit associations between two pairs of concepts </a:t>
-            </a:r>
-            <a:r>
-              <a:rPr lang="en-US" sz="3600" dirty="0" smtClean="0">
-                <a:latin typeface="Arial" charset="0"/>
-                <a:ea typeface="Arial" charset="0"/>
-                <a:cs typeface="Arial" charset="0"/>
-              </a:rPr>
-              <a:t>(Greenwald, McGhee, &amp; Schwartz, 1998)</a:t>
-            </a:r>
-            <a:endParaRPr lang="en-US" sz="3600" dirty="0"/>
-          </a:p>
-        </p:txBody>
-      </p:sp>
-      <p:sp>
-        <p:nvSpPr>
-          <p:cNvPr id="23" name="TextBox 22"/>
-          <p:cNvSpPr txBox="1"/>
-          <p:nvPr/>
-        </p:nvSpPr>
-        <p:spPr>
-          <a:xfrm>
-            <a:off x="14852772" y="16063462"/>
-            <a:ext cx="1952548" cy="769441"/>
-          </a:xfrm>
-          <a:prstGeom prst="rect">
-            <a:avLst/>
-          </a:prstGeom>
-          <a:noFill/>
-        </p:spPr>
-        <p:txBody>
-          <a:bodyPr wrap="square" rtlCol="0">
-            <a:spAutoFit/>
-          </a:bodyPr>
-          <a:lstStyle/>
-          <a:p>
-            <a:r>
-              <a:rPr lang="en-US" sz="4400" b="1" dirty="0" smtClean="0">
-                <a:solidFill>
-                  <a:srgbClr val="3318FF"/>
-                </a:solidFill>
-                <a:latin typeface="Arial" charset="0"/>
-                <a:ea typeface="Arial" charset="0"/>
-                <a:cs typeface="Arial" charset="0"/>
-              </a:rPr>
-              <a:t>Male</a:t>
-            </a:r>
-            <a:endParaRPr lang="en-US" sz="6600" b="1" dirty="0">
-              <a:solidFill>
-                <a:srgbClr val="3318FF"/>
-              </a:solidFill>
-              <a:latin typeface="Arial" charset="0"/>
-              <a:ea typeface="Arial" charset="0"/>
-              <a:cs typeface="Arial" charset="0"/>
-            </a:endParaRPr>
-          </a:p>
-        </p:txBody>
-      </p:sp>
-      <p:sp>
-        <p:nvSpPr>
-          <p:cNvPr id="25" name="TextBox 24"/>
-          <p:cNvSpPr txBox="1"/>
-          <p:nvPr/>
-        </p:nvSpPr>
-        <p:spPr>
-          <a:xfrm>
-            <a:off x="14254107" y="17186797"/>
-            <a:ext cx="4019395" cy="769441"/>
-          </a:xfrm>
-          <a:prstGeom prst="rect">
-            <a:avLst/>
-          </a:prstGeom>
-          <a:noFill/>
-        </p:spPr>
-        <p:txBody>
-          <a:bodyPr wrap="square" rtlCol="0">
-            <a:spAutoFit/>
-          </a:bodyPr>
-          <a:lstStyle/>
-          <a:p>
-            <a:r>
-              <a:rPr lang="en-US" sz="4400" b="1" dirty="0" smtClean="0">
-                <a:solidFill>
-                  <a:srgbClr val="FF0000"/>
-                </a:solidFill>
-                <a:latin typeface="Arial" charset="0"/>
-                <a:ea typeface="Arial" charset="0"/>
-                <a:cs typeface="Arial" charset="0"/>
-              </a:rPr>
-              <a:t>Female</a:t>
-            </a:r>
-            <a:endParaRPr lang="en-US" sz="6600" b="1" dirty="0">
-              <a:solidFill>
-                <a:srgbClr val="FF0000"/>
-              </a:solidFill>
-              <a:latin typeface="Arial" charset="0"/>
-              <a:ea typeface="Arial" charset="0"/>
-              <a:cs typeface="Arial" charset="0"/>
-            </a:endParaRPr>
-          </a:p>
-        </p:txBody>
-      </p:sp>
-      <p:sp>
-        <p:nvSpPr>
-          <p:cNvPr id="26" name="TextBox 25"/>
-          <p:cNvSpPr txBox="1"/>
-          <p:nvPr/>
-        </p:nvSpPr>
-        <p:spPr>
-          <a:xfrm>
-            <a:off x="17846963" y="16098439"/>
-            <a:ext cx="4019395" cy="769441"/>
-          </a:xfrm>
-          <a:prstGeom prst="rect">
-            <a:avLst/>
-          </a:prstGeom>
-          <a:noFill/>
-        </p:spPr>
-        <p:txBody>
-          <a:bodyPr wrap="square" rtlCol="0">
-            <a:spAutoFit/>
-          </a:bodyPr>
-          <a:lstStyle/>
-          <a:p>
-            <a:r>
-              <a:rPr lang="en-US" sz="4400" b="1" dirty="0" smtClean="0">
-                <a:latin typeface="Arial" charset="0"/>
-                <a:ea typeface="Arial" charset="0"/>
-                <a:cs typeface="Arial" charset="0"/>
-              </a:rPr>
-              <a:t>Career</a:t>
-            </a:r>
-            <a:endParaRPr lang="en-US" sz="6600" b="1" dirty="0">
-              <a:latin typeface="Arial" charset="0"/>
-              <a:ea typeface="Arial" charset="0"/>
-              <a:cs typeface="Arial" charset="0"/>
-            </a:endParaRPr>
-          </a:p>
-        </p:txBody>
-      </p:sp>
-      <p:sp>
-        <p:nvSpPr>
-          <p:cNvPr id="27" name="TextBox 26"/>
-          <p:cNvSpPr txBox="1"/>
-          <p:nvPr/>
-        </p:nvSpPr>
-        <p:spPr>
-          <a:xfrm>
-            <a:off x="17846964" y="17227074"/>
-            <a:ext cx="4019395" cy="769441"/>
-          </a:xfrm>
-          <a:prstGeom prst="rect">
-            <a:avLst/>
-          </a:prstGeom>
-          <a:noFill/>
-        </p:spPr>
-        <p:txBody>
-          <a:bodyPr wrap="square" rtlCol="0">
-            <a:spAutoFit/>
-          </a:bodyPr>
-          <a:lstStyle/>
-          <a:p>
-            <a:r>
-              <a:rPr lang="en-US" sz="4400" b="1" dirty="0" smtClean="0">
-                <a:latin typeface="Arial" charset="0"/>
-                <a:ea typeface="Arial" charset="0"/>
-                <a:cs typeface="Arial" charset="0"/>
-              </a:rPr>
-              <a:t>Family</a:t>
-            </a:r>
-            <a:endParaRPr lang="en-US" sz="6600" b="1" dirty="0">
-              <a:latin typeface="Arial" charset="0"/>
-              <a:ea typeface="Arial" charset="0"/>
-              <a:cs typeface="Arial" charset="0"/>
-            </a:endParaRPr>
-          </a:p>
-        </p:txBody>
-      </p:sp>
-      <p:cxnSp>
-        <p:nvCxnSpPr>
-          <p:cNvPr id="33" name="Straight Connector 32"/>
-          <p:cNvCxnSpPr/>
-          <p:nvPr/>
-        </p:nvCxnSpPr>
-        <p:spPr>
-          <a:xfrm>
-            <a:off x="16426341" y="17630546"/>
-            <a:ext cx="1289885" cy="0"/>
-          </a:xfrm>
-          <a:prstGeom prst="line">
-            <a:avLst/>
-          </a:prstGeom>
-          <a:ln w="101600">
-            <a:solidFill>
-              <a:schemeClr val="tx1"/>
-            </a:solidFill>
-          </a:ln>
-        </p:spPr>
-        <p:style>
-          <a:lnRef idx="1">
-            <a:schemeClr val="accent1"/>
-          </a:lnRef>
-          <a:fillRef idx="0">
-            <a:schemeClr val="accent1"/>
-          </a:fillRef>
-          <a:effectRef idx="0">
-            <a:schemeClr val="accent1"/>
-          </a:effectRef>
-          <a:fontRef idx="minor">
-            <a:schemeClr val="tx1"/>
-          </a:fontRef>
-        </p:style>
-      </p:cxnSp>
-      <p:cxnSp>
-        <p:nvCxnSpPr>
-          <p:cNvPr id="35" name="Straight Connector 34"/>
-          <p:cNvCxnSpPr/>
-          <p:nvPr/>
-        </p:nvCxnSpPr>
-        <p:spPr>
-          <a:xfrm>
-            <a:off x="16426341" y="16561868"/>
-            <a:ext cx="1289885" cy="0"/>
-          </a:xfrm>
-          <a:prstGeom prst="line">
-            <a:avLst/>
-          </a:prstGeom>
-          <a:ln w="101600">
-            <a:solidFill>
-              <a:schemeClr val="tx1"/>
-            </a:solidFill>
-          </a:ln>
-        </p:spPr>
-        <p:style>
-          <a:lnRef idx="1">
-            <a:schemeClr val="accent1"/>
-          </a:lnRef>
-          <a:fillRef idx="0">
-            <a:schemeClr val="accent1"/>
-          </a:fillRef>
-          <a:effectRef idx="0">
-            <a:schemeClr val="accent1"/>
-          </a:effectRef>
-          <a:fontRef idx="minor">
-            <a:schemeClr val="tx1"/>
-          </a:fontRef>
-        </p:style>
-      </p:cxnSp>
-      <p:cxnSp>
-        <p:nvCxnSpPr>
-          <p:cNvPr id="36" name="Straight Connector 35"/>
-          <p:cNvCxnSpPr/>
-          <p:nvPr/>
-        </p:nvCxnSpPr>
-        <p:spPr>
-          <a:xfrm>
-            <a:off x="16473381" y="16649658"/>
-            <a:ext cx="1200081" cy="851959"/>
-          </a:xfrm>
-          <a:prstGeom prst="line">
-            <a:avLst/>
-          </a:prstGeom>
-          <a:ln w="12700">
-            <a:solidFill>
-              <a:schemeClr val="tx1"/>
-            </a:solidFill>
-            <a:prstDash val="solid"/>
-          </a:ln>
-        </p:spPr>
-        <p:style>
-          <a:lnRef idx="1">
-            <a:schemeClr val="accent1"/>
-          </a:lnRef>
-          <a:fillRef idx="0">
-            <a:schemeClr val="accent1"/>
-          </a:fillRef>
-          <a:effectRef idx="0">
-            <a:schemeClr val="accent1"/>
-          </a:effectRef>
-          <a:fontRef idx="minor">
-            <a:schemeClr val="tx1"/>
-          </a:fontRef>
-        </p:style>
-      </p:cxnSp>
-      <p:cxnSp>
-        <p:nvCxnSpPr>
-          <p:cNvPr id="40" name="Straight Connector 39"/>
-          <p:cNvCxnSpPr/>
-          <p:nvPr/>
-        </p:nvCxnSpPr>
-        <p:spPr>
-          <a:xfrm flipV="1">
-            <a:off x="16490904" y="16651197"/>
-            <a:ext cx="1207136" cy="850421"/>
-          </a:xfrm>
-          <a:prstGeom prst="line">
-            <a:avLst/>
-          </a:prstGeom>
-          <a:ln w="12700">
-            <a:solidFill>
-              <a:schemeClr val="tx1"/>
-            </a:solidFill>
-            <a:prstDash val="solid"/>
-          </a:ln>
-        </p:spPr>
-        <p:style>
-          <a:lnRef idx="1">
-            <a:schemeClr val="accent1"/>
-          </a:lnRef>
-          <a:fillRef idx="0">
-            <a:schemeClr val="accent1"/>
-          </a:fillRef>
-          <a:effectRef idx="0">
-            <a:schemeClr val="accent1"/>
-          </a:effectRef>
-          <a:fontRef idx="minor">
-            <a:schemeClr val="tx1"/>
-          </a:fontRef>
-        </p:style>
-      </p:cxnSp>
-      <p:sp>
-        <p:nvSpPr>
-          <p:cNvPr id="59" name="TextBox 58"/>
-          <p:cNvSpPr txBox="1"/>
-          <p:nvPr/>
-        </p:nvSpPr>
-        <p:spPr>
-          <a:xfrm>
-            <a:off x="737709" y="19148576"/>
-            <a:ext cx="19118952" cy="2308324"/>
-          </a:xfrm>
-          <a:prstGeom prst="rect">
-            <a:avLst/>
-          </a:prstGeom>
-          <a:noFill/>
-        </p:spPr>
-        <p:txBody>
-          <a:bodyPr wrap="square" rtlCol="0">
-            <a:spAutoFit/>
-          </a:bodyPr>
-          <a:lstStyle/>
-          <a:p>
-            <a:r>
-              <a:rPr lang="en-US" sz="4800" dirty="0" smtClean="0">
-                <a:latin typeface="Arial" charset="0"/>
-                <a:ea typeface="Arial" charset="0"/>
-                <a:cs typeface="Arial" charset="0"/>
-              </a:rPr>
-              <a:t>Data collected by Project Implicit </a:t>
-            </a:r>
-            <a:r>
-              <a:rPr lang="en-US" sz="4000" dirty="0" smtClean="0">
-                <a:latin typeface="Arial" charset="0"/>
-                <a:ea typeface="Arial" charset="0"/>
-                <a:cs typeface="Arial" charset="0"/>
-              </a:rPr>
-              <a:t>(</a:t>
-            </a:r>
-            <a:r>
-              <a:rPr lang="en-US" sz="4000" dirty="0" err="1" smtClean="0">
-                <a:latin typeface="Arial" charset="0"/>
-                <a:ea typeface="Arial" charset="0"/>
-                <a:cs typeface="Arial" charset="0"/>
-              </a:rPr>
-              <a:t>Nosek</a:t>
-            </a:r>
-            <a:r>
-              <a:rPr lang="en-US" sz="4000" dirty="0" smtClean="0">
-                <a:latin typeface="Arial" charset="0"/>
-                <a:ea typeface="Arial" charset="0"/>
-                <a:cs typeface="Arial" charset="0"/>
-              </a:rPr>
-              <a:t>, </a:t>
-            </a:r>
-            <a:r>
-              <a:rPr lang="en-US" sz="4000" dirty="0" err="1" smtClean="0">
-                <a:latin typeface="Arial" charset="0"/>
-                <a:ea typeface="Arial" charset="0"/>
-                <a:cs typeface="Arial" charset="0"/>
-              </a:rPr>
-              <a:t>Banaji</a:t>
-            </a:r>
-            <a:r>
-              <a:rPr lang="en-US" sz="4000" dirty="0" smtClean="0">
-                <a:latin typeface="Arial" charset="0"/>
-                <a:ea typeface="Arial" charset="0"/>
-                <a:cs typeface="Arial" charset="0"/>
-              </a:rPr>
-              <a:t>, &amp; Greenwald, 2002)  </a:t>
-            </a:r>
-            <a:r>
-              <a:rPr lang="mr-IN" sz="4800" dirty="0" smtClean="0">
-                <a:latin typeface="Arial" charset="0"/>
-                <a:ea typeface="Arial" charset="0"/>
-                <a:cs typeface="Arial" charset="0"/>
-              </a:rPr>
-              <a:t>–</a:t>
-            </a:r>
-            <a:r>
-              <a:rPr lang="en-US" sz="4800" dirty="0" smtClean="0">
-                <a:latin typeface="Arial" charset="0"/>
-                <a:ea typeface="Arial" charset="0"/>
-                <a:cs typeface="Arial" charset="0"/>
-              </a:rPr>
-              <a:t> </a:t>
-            </a:r>
-            <a:r>
-              <a:rPr lang="en-US" sz="4800" dirty="0" smtClean="0">
-                <a:latin typeface="Arial" charset="0"/>
-                <a:ea typeface="Arial" charset="0"/>
-                <a:cs typeface="Arial" charset="0"/>
-              </a:rPr>
-              <a:t>663,709 participants from 48 countries (</a:t>
-            </a:r>
-            <a:r>
-              <a:rPr lang="en-US" sz="4800" i="1" dirty="0" smtClean="0">
-                <a:latin typeface="Arial" charset="0"/>
-                <a:ea typeface="Arial" charset="0"/>
-                <a:cs typeface="Arial" charset="0"/>
-              </a:rPr>
-              <a:t>d</a:t>
-            </a:r>
-            <a:r>
-              <a:rPr lang="en-US" sz="4800" dirty="0" smtClean="0">
-                <a:latin typeface="Arial" charset="0"/>
-                <a:ea typeface="Arial" charset="0"/>
-                <a:cs typeface="Arial" charset="0"/>
-              </a:rPr>
-              <a:t> = 1.08; </a:t>
-            </a:r>
-            <a:r>
-              <a:rPr lang="en-US" sz="4800" i="1" dirty="0" smtClean="0">
-                <a:latin typeface="Arial" charset="0"/>
-                <a:ea typeface="Arial" charset="0"/>
-                <a:cs typeface="Arial" charset="0"/>
-              </a:rPr>
-              <a:t>M </a:t>
-            </a:r>
-            <a:r>
-              <a:rPr lang="en-US" sz="4800" dirty="0" smtClean="0">
-                <a:latin typeface="Arial" charset="0"/>
-                <a:ea typeface="Arial" charset="0"/>
-                <a:cs typeface="Arial" charset="0"/>
-              </a:rPr>
-              <a:t>= 1.05</a:t>
-            </a:r>
-            <a:r>
-              <a:rPr lang="en-US" sz="4800" i="1" dirty="0" smtClean="0">
-                <a:latin typeface="Arial" charset="0"/>
-                <a:ea typeface="Arial" charset="0"/>
-                <a:cs typeface="Arial" charset="0"/>
-              </a:rPr>
-              <a:t>; SD </a:t>
-            </a:r>
-            <a:r>
-              <a:rPr lang="en-US" sz="4800" dirty="0" smtClean="0">
-                <a:latin typeface="Arial" charset="0"/>
-                <a:ea typeface="Arial" charset="0"/>
-                <a:cs typeface="Arial" charset="0"/>
-              </a:rPr>
-              <a:t>= .07)</a:t>
-            </a:r>
-            <a:endParaRPr lang="en-US" sz="4800" dirty="0" smtClean="0"/>
-          </a:p>
-          <a:p>
-            <a:endParaRPr lang="en-US" sz="4800" dirty="0">
-              <a:latin typeface="Arial" charset="0"/>
-              <a:ea typeface="Arial" charset="0"/>
-              <a:cs typeface="Arial" charset="0"/>
-            </a:endParaRPr>
-          </a:p>
-        </p:txBody>
-      </p:sp>
-      <p:sp>
-        <p:nvSpPr>
-          <p:cNvPr id="60" name="Rectangle 59"/>
-          <p:cNvSpPr/>
-          <p:nvPr/>
-        </p:nvSpPr>
-        <p:spPr>
-          <a:xfrm>
-            <a:off x="20795102" y="6120617"/>
-            <a:ext cx="12550231" cy="954107"/>
-          </a:xfrm>
-          <a:prstGeom prst="rect">
-            <a:avLst/>
-          </a:prstGeom>
-        </p:spPr>
-        <p:txBody>
-          <a:bodyPr wrap="none">
-            <a:spAutoFit/>
-          </a:bodyPr>
-          <a:lstStyle/>
-          <a:p>
-            <a:r>
-              <a:rPr lang="en-US" sz="5400" b="1" dirty="0" smtClean="0">
-                <a:latin typeface="Arial" charset="0"/>
-                <a:ea typeface="Arial" charset="0"/>
-                <a:cs typeface="Arial" charset="0"/>
-              </a:rPr>
-              <a:t>Study 2: Gender bias and semantics</a:t>
-            </a:r>
-            <a:endParaRPr lang="en-US" sz="5400" b="1" dirty="0">
-              <a:latin typeface="Arial" charset="0"/>
-              <a:ea typeface="Arial" charset="0"/>
-              <a:cs typeface="Arial" charset="0"/>
-            </a:endParaRPr>
-          </a:p>
-        </p:txBody>
-      </p:sp>
-      <p:sp>
-        <p:nvSpPr>
-          <p:cNvPr id="61" name="Rectangle 60"/>
-          <p:cNvSpPr/>
-          <p:nvPr/>
-        </p:nvSpPr>
-        <p:spPr>
-          <a:xfrm>
-            <a:off x="20947689" y="21472200"/>
-            <a:ext cx="12111008" cy="954107"/>
-          </a:xfrm>
-          <a:prstGeom prst="rect">
-            <a:avLst/>
-          </a:prstGeom>
-        </p:spPr>
-        <p:txBody>
-          <a:bodyPr wrap="none">
-            <a:spAutoFit/>
-          </a:bodyPr>
-          <a:lstStyle/>
-          <a:p>
-            <a:r>
-              <a:rPr lang="en-US" sz="5400" b="1" dirty="0" smtClean="0">
-                <a:latin typeface="Arial" charset="0"/>
-                <a:ea typeface="Arial" charset="0"/>
-                <a:cs typeface="Arial" charset="0"/>
-              </a:rPr>
-              <a:t>Study 3: Gender bias and grammar</a:t>
-            </a:r>
-            <a:endParaRPr lang="en-US" sz="5400" b="1" dirty="0">
-              <a:latin typeface="Arial" charset="0"/>
-              <a:ea typeface="Arial" charset="0"/>
-              <a:cs typeface="Arial" charset="0"/>
-            </a:endParaRPr>
-          </a:p>
-        </p:txBody>
-      </p:sp>
-      <p:pic>
-        <p:nvPicPr>
-          <p:cNvPr id="62" name="Picture 61"/>
           <p:cNvPicPr>
             <a:picLocks noChangeAspect="1"/>
           </p:cNvPicPr>
@@ -4107,7 +3671,911 @@
         </p:blipFill>
         <p:spPr>
           <a:xfrm>
-            <a:off x="35565868" y="14601983"/>
+            <a:off x="35996536" y="21610596"/>
+            <a:ext cx="7281209" cy="5052267"/>
+          </a:xfrm>
+          <a:prstGeom prst="rect">
+            <a:avLst/>
+          </a:prstGeom>
+        </p:spPr>
+      </p:pic>
+      <p:sp>
+        <p:nvSpPr>
+          <p:cNvPr id="15" name="Rectangle 14"/>
+          <p:cNvSpPr/>
+          <p:nvPr/>
+        </p:nvSpPr>
+        <p:spPr>
+          <a:xfrm>
+            <a:off x="700648" y="14336245"/>
+            <a:ext cx="12869229" cy="954107"/>
+          </a:xfrm>
+          <a:prstGeom prst="rect">
+            <a:avLst/>
+          </a:prstGeom>
+        </p:spPr>
+        <p:txBody>
+          <a:bodyPr wrap="none">
+            <a:spAutoFit/>
+          </a:bodyPr>
+          <a:lstStyle/>
+          <a:p>
+            <a:r>
+              <a:rPr lang="en-US" sz="5400" b="1" dirty="0" smtClean="0">
+                <a:latin typeface="Arial" charset="0"/>
+                <a:ea typeface="Arial" charset="0"/>
+                <a:cs typeface="Arial" charset="0"/>
+              </a:rPr>
+              <a:t>Study 1: Gender bias across cultures</a:t>
+            </a:r>
+            <a:endParaRPr lang="en-US" sz="5400" b="1" dirty="0">
+              <a:latin typeface="Arial" charset="0"/>
+              <a:ea typeface="Arial" charset="0"/>
+              <a:cs typeface="Arial" charset="0"/>
+            </a:endParaRPr>
+          </a:p>
+        </p:txBody>
+      </p:sp>
+      <p:sp>
+        <p:nvSpPr>
+          <p:cNvPr id="18" name="Rectangle 17"/>
+          <p:cNvSpPr/>
+          <p:nvPr/>
+        </p:nvSpPr>
+        <p:spPr>
+          <a:xfrm>
+            <a:off x="985994" y="5409033"/>
+            <a:ext cx="18785317" cy="8925520"/>
+          </a:xfrm>
+          <a:prstGeom prst="rect">
+            <a:avLst/>
+          </a:prstGeom>
+        </p:spPr>
+        <p:txBody>
+          <a:bodyPr wrap="square">
+            <a:spAutoFit/>
+          </a:bodyPr>
+          <a:lstStyle/>
+          <a:p>
+            <a:endParaRPr lang="en-US" sz="7200" dirty="0" smtClean="0">
+              <a:latin typeface="Arial" charset="0"/>
+              <a:ea typeface="Arial" charset="0"/>
+              <a:cs typeface="Arial" charset="0"/>
+            </a:endParaRPr>
+          </a:p>
+          <a:p>
+            <a:r>
+              <a:rPr lang="en-US" sz="5400" dirty="0" smtClean="0">
+                <a:latin typeface="Arial" charset="0"/>
+                <a:ea typeface="Arial" charset="0"/>
+                <a:cs typeface="Arial" charset="0"/>
+              </a:rPr>
+              <a:t>What role do </a:t>
+            </a:r>
+            <a:r>
+              <a:rPr lang="en-US" sz="5400" dirty="0" smtClean="0">
+                <a:latin typeface="Arial" charset="0"/>
+                <a:ea typeface="Arial" charset="0"/>
+                <a:cs typeface="Arial" charset="0"/>
+              </a:rPr>
+              <a:t>word co-occurrences </a:t>
+            </a:r>
+            <a:r>
+              <a:rPr lang="en-US" sz="5400" dirty="0" smtClean="0">
+                <a:latin typeface="Arial" charset="0"/>
+                <a:ea typeface="Arial" charset="0"/>
+                <a:cs typeface="Arial" charset="0"/>
+              </a:rPr>
+              <a:t>and grammatical structure play in shaping cultural norms?</a:t>
+            </a:r>
+          </a:p>
+          <a:p>
+            <a:endParaRPr lang="en-US" sz="5400" dirty="0" smtClean="0">
+              <a:latin typeface="Arial" charset="0"/>
+              <a:ea typeface="Arial" charset="0"/>
+              <a:cs typeface="Arial" charset="0"/>
+            </a:endParaRPr>
+          </a:p>
+          <a:p>
+            <a:r>
+              <a:rPr lang="en-US" sz="5400" b="1" dirty="0" smtClean="0">
+                <a:latin typeface="Arial" charset="0"/>
+                <a:ea typeface="Arial" charset="0"/>
+                <a:cs typeface="Arial" charset="0"/>
+              </a:rPr>
+              <a:t>Gender bias</a:t>
+            </a:r>
+            <a:r>
+              <a:rPr lang="en-US" sz="5400" dirty="0" smtClean="0">
+                <a:latin typeface="Arial" charset="0"/>
+                <a:ea typeface="Arial" charset="0"/>
+                <a:cs typeface="Arial" charset="0"/>
+              </a:rPr>
+              <a:t> as a case study </a:t>
+            </a:r>
+            <a:r>
+              <a:rPr lang="mr-IN" sz="5400" dirty="0" smtClean="0">
+                <a:latin typeface="Arial" charset="0"/>
+                <a:ea typeface="Arial" charset="0"/>
+                <a:cs typeface="Arial" charset="0"/>
+              </a:rPr>
+              <a:t>–</a:t>
+            </a:r>
+            <a:r>
+              <a:rPr lang="en-US" sz="5400" dirty="0" smtClean="0">
+                <a:latin typeface="Arial" charset="0"/>
+                <a:ea typeface="Arial" charset="0"/>
+                <a:cs typeface="Arial" charset="0"/>
+              </a:rPr>
+              <a:t> abstract domain </a:t>
+            </a:r>
+            <a:r>
+              <a:rPr lang="en-US" sz="3600" dirty="0" smtClean="0">
+                <a:latin typeface="Arial" charset="0"/>
+                <a:ea typeface="Arial" charset="0"/>
+                <a:cs typeface="Arial" charset="0"/>
+              </a:rPr>
+              <a:t>(</a:t>
+            </a:r>
+            <a:r>
+              <a:rPr lang="en-US" sz="3600" dirty="0" err="1" smtClean="0">
+                <a:latin typeface="Arial" charset="0"/>
+                <a:ea typeface="Arial" charset="0"/>
+                <a:cs typeface="Arial" charset="0"/>
+              </a:rPr>
+              <a:t>Boroditsky</a:t>
+            </a:r>
+            <a:r>
+              <a:rPr lang="en-US" sz="3600" dirty="0" smtClean="0">
+                <a:latin typeface="Arial" charset="0"/>
+                <a:ea typeface="Arial" charset="0"/>
+                <a:cs typeface="Arial" charset="0"/>
+              </a:rPr>
+              <a:t>, 2001), </a:t>
+            </a:r>
+            <a:r>
+              <a:rPr lang="en-US" sz="5400" dirty="0" smtClean="0">
+                <a:latin typeface="Arial" charset="0"/>
+                <a:ea typeface="Arial" charset="0"/>
+                <a:cs typeface="Arial" charset="0"/>
+              </a:rPr>
+              <a:t>grammatically encoded, and culturally transmitted </a:t>
+            </a:r>
+            <a:r>
+              <a:rPr lang="en-US" sz="3600" dirty="0" smtClean="0">
+                <a:latin typeface="Arial" charset="0"/>
+                <a:ea typeface="Arial" charset="0"/>
+                <a:cs typeface="Arial" charset="0"/>
+              </a:rPr>
+              <a:t>(e.g., Master, </a:t>
+            </a:r>
+            <a:r>
+              <a:rPr lang="en-US" sz="3600" dirty="0" err="1" smtClean="0">
+                <a:latin typeface="Arial" charset="0"/>
+                <a:ea typeface="Arial" charset="0"/>
+                <a:cs typeface="Arial" charset="0"/>
+              </a:rPr>
+              <a:t>Markman</a:t>
+            </a:r>
+            <a:r>
+              <a:rPr lang="en-US" sz="3600" dirty="0" smtClean="0">
+                <a:latin typeface="Arial" charset="0"/>
+                <a:ea typeface="Arial" charset="0"/>
+                <a:cs typeface="Arial" charset="0"/>
+              </a:rPr>
+              <a:t>, &amp; </a:t>
+            </a:r>
+            <a:r>
+              <a:rPr lang="en-US" sz="3600" dirty="0" err="1" smtClean="0">
+                <a:latin typeface="Arial" charset="0"/>
+                <a:ea typeface="Arial" charset="0"/>
+                <a:cs typeface="Arial" charset="0"/>
+              </a:rPr>
+              <a:t>Dweck</a:t>
+            </a:r>
+            <a:r>
+              <a:rPr lang="en-US" sz="3600" dirty="0" smtClean="0">
+                <a:latin typeface="Arial" charset="0"/>
+                <a:ea typeface="Arial" charset="0"/>
+                <a:cs typeface="Arial" charset="0"/>
+              </a:rPr>
+              <a:t>, 2012)</a:t>
+            </a:r>
+          </a:p>
+          <a:p>
+            <a:endParaRPr lang="en-US" sz="3200" dirty="0" smtClean="0">
+              <a:latin typeface="Arial" charset="0"/>
+              <a:ea typeface="Arial" charset="0"/>
+              <a:cs typeface="Arial" charset="0"/>
+            </a:endParaRPr>
+          </a:p>
+          <a:p>
+            <a:r>
+              <a:rPr lang="en-US" sz="5400" dirty="0" smtClean="0">
+                <a:latin typeface="Arial" charset="0"/>
+                <a:ea typeface="Arial" charset="0"/>
+                <a:cs typeface="Arial" charset="0"/>
+              </a:rPr>
+              <a:t>Hypotheses: (1) Language as reflection of speakers’ gender biases, or (2) language as </a:t>
+            </a:r>
+            <a:r>
+              <a:rPr lang="en-US" sz="5400" dirty="0" smtClean="0">
+                <a:latin typeface="Arial" charset="0"/>
+                <a:ea typeface="Arial" charset="0"/>
+                <a:cs typeface="Arial" charset="0"/>
+              </a:rPr>
+              <a:t>causal?</a:t>
+            </a:r>
+            <a:endParaRPr lang="en-US" sz="6000" dirty="0" smtClean="0">
+              <a:latin typeface="Arial" charset="0"/>
+              <a:ea typeface="Arial" charset="0"/>
+              <a:cs typeface="Arial" charset="0"/>
+            </a:endParaRPr>
+          </a:p>
+          <a:p>
+            <a:pPr marL="1143000" indent="-1143000">
+              <a:buFont typeface="Arial" charset="0"/>
+              <a:buChar char="•"/>
+            </a:pPr>
+            <a:endParaRPr lang="en-US" sz="5600" dirty="0">
+              <a:latin typeface="Arial" charset="0"/>
+              <a:ea typeface="Arial" charset="0"/>
+              <a:cs typeface="Arial" charset="0"/>
+            </a:endParaRPr>
+          </a:p>
+        </p:txBody>
+      </p:sp>
+      <p:sp>
+        <p:nvSpPr>
+          <p:cNvPr id="21" name="TextBox 20"/>
+          <p:cNvSpPr txBox="1"/>
+          <p:nvPr/>
+        </p:nvSpPr>
+        <p:spPr>
+          <a:xfrm>
+            <a:off x="671219" y="15459748"/>
+            <a:ext cx="13491312" cy="2677656"/>
+          </a:xfrm>
+          <a:prstGeom prst="rect">
+            <a:avLst/>
+          </a:prstGeom>
+          <a:noFill/>
+        </p:spPr>
+        <p:txBody>
+          <a:bodyPr wrap="square" rtlCol="0">
+            <a:spAutoFit/>
+          </a:bodyPr>
+          <a:lstStyle/>
+          <a:p>
+            <a:r>
+              <a:rPr lang="en-US" sz="4400" dirty="0" smtClean="0">
+                <a:latin typeface="Arial" charset="0"/>
+                <a:ea typeface="Arial" charset="0"/>
+                <a:cs typeface="Arial" charset="0"/>
+              </a:rPr>
+              <a:t>Implicit Association Task (IAT) </a:t>
+            </a:r>
+            <a:r>
+              <a:rPr lang="mr-IN" sz="4400" dirty="0" smtClean="0">
+                <a:latin typeface="Arial" charset="0"/>
+                <a:ea typeface="Arial" charset="0"/>
+                <a:cs typeface="Arial" charset="0"/>
+              </a:rPr>
+              <a:t>–</a:t>
+            </a:r>
+            <a:r>
+              <a:rPr lang="en-US" sz="4400" dirty="0" smtClean="0">
+                <a:latin typeface="Arial" charset="0"/>
+                <a:ea typeface="Arial" charset="0"/>
+                <a:cs typeface="Arial" charset="0"/>
+              </a:rPr>
+              <a:t> behavioral measure of the strength of respondents’ implicit associations between two pairs of concepts </a:t>
+            </a:r>
+            <a:r>
+              <a:rPr lang="en-US" sz="3200" dirty="0" smtClean="0">
+                <a:latin typeface="Arial" charset="0"/>
+                <a:ea typeface="Arial" charset="0"/>
+                <a:cs typeface="Arial" charset="0"/>
+              </a:rPr>
+              <a:t>(Greenwald, McGhee, &amp; Schwartz, 1998).</a:t>
+            </a:r>
+            <a:endParaRPr lang="en-US" sz="3200" dirty="0"/>
+          </a:p>
+        </p:txBody>
+      </p:sp>
+      <p:grpSp>
+        <p:nvGrpSpPr>
+          <p:cNvPr id="34" name="Group 33"/>
+          <p:cNvGrpSpPr/>
+          <p:nvPr/>
+        </p:nvGrpSpPr>
+        <p:grpSpPr>
+          <a:xfrm>
+            <a:off x="14482707" y="15501760"/>
+            <a:ext cx="7612252" cy="1933053"/>
+            <a:chOff x="14254107" y="15501760"/>
+            <a:chExt cx="7612252" cy="1933053"/>
+          </a:xfrm>
+        </p:grpSpPr>
+        <p:cxnSp>
+          <p:nvCxnSpPr>
+            <p:cNvPr id="36" name="Straight Connector 35"/>
+            <p:cNvCxnSpPr/>
+            <p:nvPr/>
+          </p:nvCxnSpPr>
+          <p:spPr>
+            <a:xfrm>
+              <a:off x="16463730" y="16119809"/>
+              <a:ext cx="1200081" cy="851959"/>
+            </a:xfrm>
+            <a:prstGeom prst="line">
+              <a:avLst/>
+            </a:prstGeom>
+            <a:ln w="12700">
+              <a:solidFill>
+                <a:schemeClr val="tx1"/>
+              </a:solidFill>
+              <a:prstDash val="solid"/>
+            </a:ln>
+          </p:spPr>
+          <p:style>
+            <a:lnRef idx="1">
+              <a:schemeClr val="accent1"/>
+            </a:lnRef>
+            <a:fillRef idx="0">
+              <a:schemeClr val="accent1"/>
+            </a:fillRef>
+            <a:effectRef idx="0">
+              <a:schemeClr val="accent1"/>
+            </a:effectRef>
+            <a:fontRef idx="minor">
+              <a:schemeClr val="tx1"/>
+            </a:fontRef>
+          </p:style>
+        </p:cxnSp>
+        <p:grpSp>
+          <p:nvGrpSpPr>
+            <p:cNvPr id="32" name="Group 31"/>
+            <p:cNvGrpSpPr/>
+            <p:nvPr/>
+          </p:nvGrpSpPr>
+          <p:grpSpPr>
+            <a:xfrm>
+              <a:off x="14254107" y="15501760"/>
+              <a:ext cx="7612252" cy="1933053"/>
+              <a:chOff x="14254107" y="15501760"/>
+              <a:chExt cx="7612252" cy="1933053"/>
+            </a:xfrm>
+          </p:grpSpPr>
+          <p:grpSp>
+            <p:nvGrpSpPr>
+              <p:cNvPr id="31" name="Group 30"/>
+              <p:cNvGrpSpPr/>
+              <p:nvPr/>
+            </p:nvGrpSpPr>
+            <p:grpSpPr>
+              <a:xfrm>
+                <a:off x="14254107" y="15501760"/>
+                <a:ext cx="7612252" cy="1933053"/>
+                <a:chOff x="14254107" y="15501760"/>
+                <a:chExt cx="7612252" cy="1933053"/>
+              </a:xfrm>
+            </p:grpSpPr>
+            <p:sp>
+              <p:nvSpPr>
+                <p:cNvPr id="23" name="TextBox 22"/>
+                <p:cNvSpPr txBox="1"/>
+                <p:nvPr/>
+              </p:nvSpPr>
+              <p:spPr>
+                <a:xfrm>
+                  <a:off x="14852772" y="15501760"/>
+                  <a:ext cx="1952548" cy="769441"/>
+                </a:xfrm>
+                <a:prstGeom prst="rect">
+                  <a:avLst/>
+                </a:prstGeom>
+                <a:noFill/>
+              </p:spPr>
+              <p:txBody>
+                <a:bodyPr wrap="square" rtlCol="0">
+                  <a:spAutoFit/>
+                </a:bodyPr>
+                <a:lstStyle/>
+                <a:p>
+                  <a:r>
+                    <a:rPr lang="en-US" sz="4400" b="1" dirty="0" smtClean="0">
+                      <a:solidFill>
+                        <a:srgbClr val="3318FF"/>
+                      </a:solidFill>
+                      <a:latin typeface="Arial" charset="0"/>
+                      <a:ea typeface="Arial" charset="0"/>
+                      <a:cs typeface="Arial" charset="0"/>
+                    </a:rPr>
+                    <a:t>Male</a:t>
+                  </a:r>
+                  <a:endParaRPr lang="en-US" sz="6600" b="1" dirty="0">
+                    <a:solidFill>
+                      <a:srgbClr val="3318FF"/>
+                    </a:solidFill>
+                    <a:latin typeface="Arial" charset="0"/>
+                    <a:ea typeface="Arial" charset="0"/>
+                    <a:cs typeface="Arial" charset="0"/>
+                  </a:endParaRPr>
+                </a:p>
+              </p:txBody>
+            </p:sp>
+            <p:sp>
+              <p:nvSpPr>
+                <p:cNvPr id="25" name="TextBox 24"/>
+                <p:cNvSpPr txBox="1"/>
+                <p:nvPr/>
+              </p:nvSpPr>
+              <p:spPr>
+                <a:xfrm>
+                  <a:off x="14254107" y="16625095"/>
+                  <a:ext cx="4019395" cy="769441"/>
+                </a:xfrm>
+                <a:prstGeom prst="rect">
+                  <a:avLst/>
+                </a:prstGeom>
+                <a:noFill/>
+              </p:spPr>
+              <p:txBody>
+                <a:bodyPr wrap="square" rtlCol="0">
+                  <a:spAutoFit/>
+                </a:bodyPr>
+                <a:lstStyle/>
+                <a:p>
+                  <a:r>
+                    <a:rPr lang="en-US" sz="4400" b="1" dirty="0" smtClean="0">
+                      <a:solidFill>
+                        <a:srgbClr val="FF0000"/>
+                      </a:solidFill>
+                      <a:latin typeface="Arial" charset="0"/>
+                      <a:ea typeface="Arial" charset="0"/>
+                      <a:cs typeface="Arial" charset="0"/>
+                    </a:rPr>
+                    <a:t>Female</a:t>
+                  </a:r>
+                  <a:endParaRPr lang="en-US" sz="6600" b="1" dirty="0">
+                    <a:solidFill>
+                      <a:srgbClr val="FF0000"/>
+                    </a:solidFill>
+                    <a:latin typeface="Arial" charset="0"/>
+                    <a:ea typeface="Arial" charset="0"/>
+                    <a:cs typeface="Arial" charset="0"/>
+                  </a:endParaRPr>
+                </a:p>
+              </p:txBody>
+            </p:sp>
+            <p:sp>
+              <p:nvSpPr>
+                <p:cNvPr id="26" name="TextBox 25"/>
+                <p:cNvSpPr txBox="1"/>
+                <p:nvPr/>
+              </p:nvSpPr>
+              <p:spPr>
+                <a:xfrm>
+                  <a:off x="17846963" y="15536737"/>
+                  <a:ext cx="4019395" cy="769441"/>
+                </a:xfrm>
+                <a:prstGeom prst="rect">
+                  <a:avLst/>
+                </a:prstGeom>
+                <a:noFill/>
+              </p:spPr>
+              <p:txBody>
+                <a:bodyPr wrap="square" rtlCol="0">
+                  <a:spAutoFit/>
+                </a:bodyPr>
+                <a:lstStyle/>
+                <a:p>
+                  <a:r>
+                    <a:rPr lang="en-US" sz="4400" b="1" dirty="0" smtClean="0">
+                      <a:latin typeface="Arial" charset="0"/>
+                      <a:ea typeface="Arial" charset="0"/>
+                      <a:cs typeface="Arial" charset="0"/>
+                    </a:rPr>
+                    <a:t>Career</a:t>
+                  </a:r>
+                  <a:endParaRPr lang="en-US" sz="6600" b="1" dirty="0">
+                    <a:latin typeface="Arial" charset="0"/>
+                    <a:ea typeface="Arial" charset="0"/>
+                    <a:cs typeface="Arial" charset="0"/>
+                  </a:endParaRPr>
+                </a:p>
+              </p:txBody>
+            </p:sp>
+            <p:sp>
+              <p:nvSpPr>
+                <p:cNvPr id="27" name="TextBox 26"/>
+                <p:cNvSpPr txBox="1"/>
+                <p:nvPr/>
+              </p:nvSpPr>
+              <p:spPr>
+                <a:xfrm>
+                  <a:off x="17846964" y="16665372"/>
+                  <a:ext cx="4019395" cy="769441"/>
+                </a:xfrm>
+                <a:prstGeom prst="rect">
+                  <a:avLst/>
+                </a:prstGeom>
+                <a:noFill/>
+              </p:spPr>
+              <p:txBody>
+                <a:bodyPr wrap="square" rtlCol="0">
+                  <a:spAutoFit/>
+                </a:bodyPr>
+                <a:lstStyle/>
+                <a:p>
+                  <a:r>
+                    <a:rPr lang="en-US" sz="4400" b="1" dirty="0" smtClean="0">
+                      <a:latin typeface="Arial" charset="0"/>
+                      <a:ea typeface="Arial" charset="0"/>
+                      <a:cs typeface="Arial" charset="0"/>
+                    </a:rPr>
+                    <a:t>Family</a:t>
+                  </a:r>
+                  <a:endParaRPr lang="en-US" sz="6600" b="1" dirty="0">
+                    <a:latin typeface="Arial" charset="0"/>
+                    <a:ea typeface="Arial" charset="0"/>
+                    <a:cs typeface="Arial" charset="0"/>
+                  </a:endParaRPr>
+                </a:p>
+              </p:txBody>
+            </p:sp>
+            <p:cxnSp>
+              <p:nvCxnSpPr>
+                <p:cNvPr id="33" name="Straight Connector 32"/>
+                <p:cNvCxnSpPr/>
+                <p:nvPr/>
+              </p:nvCxnSpPr>
+              <p:spPr>
+                <a:xfrm>
+                  <a:off x="16426341" y="17068844"/>
+                  <a:ext cx="1289885" cy="0"/>
+                </a:xfrm>
+                <a:prstGeom prst="line">
+                  <a:avLst/>
+                </a:prstGeom>
+                <a:ln w="101600">
+                  <a:solidFill>
+                    <a:schemeClr val="tx1"/>
+                  </a:solidFill>
+                </a:ln>
+              </p:spPr>
+              <p:style>
+                <a:lnRef idx="1">
+                  <a:schemeClr val="accent1"/>
+                </a:lnRef>
+                <a:fillRef idx="0">
+                  <a:schemeClr val="accent1"/>
+                </a:fillRef>
+                <a:effectRef idx="0">
+                  <a:schemeClr val="accent1"/>
+                </a:effectRef>
+                <a:fontRef idx="minor">
+                  <a:schemeClr val="tx1"/>
+                </a:fontRef>
+              </p:style>
+            </p:cxnSp>
+            <p:cxnSp>
+              <p:nvCxnSpPr>
+                <p:cNvPr id="35" name="Straight Connector 34"/>
+                <p:cNvCxnSpPr/>
+                <p:nvPr/>
+              </p:nvCxnSpPr>
+              <p:spPr>
+                <a:xfrm>
+                  <a:off x="16426341" y="16000166"/>
+                  <a:ext cx="1289885" cy="0"/>
+                </a:xfrm>
+                <a:prstGeom prst="line">
+                  <a:avLst/>
+                </a:prstGeom>
+                <a:ln w="101600">
+                  <a:solidFill>
+                    <a:schemeClr val="tx1"/>
+                  </a:solidFill>
+                </a:ln>
+              </p:spPr>
+              <p:style>
+                <a:lnRef idx="1">
+                  <a:schemeClr val="accent1"/>
+                </a:lnRef>
+                <a:fillRef idx="0">
+                  <a:schemeClr val="accent1"/>
+                </a:fillRef>
+                <a:effectRef idx="0">
+                  <a:schemeClr val="accent1"/>
+                </a:effectRef>
+                <a:fontRef idx="minor">
+                  <a:schemeClr val="tx1"/>
+                </a:fontRef>
+              </p:style>
+            </p:cxnSp>
+          </p:grpSp>
+          <p:cxnSp>
+            <p:nvCxnSpPr>
+              <p:cNvPr id="40" name="Straight Connector 39"/>
+              <p:cNvCxnSpPr/>
+              <p:nvPr/>
+            </p:nvCxnSpPr>
+            <p:spPr>
+              <a:xfrm flipV="1">
+                <a:off x="16463730" y="16121347"/>
+                <a:ext cx="1207136" cy="850421"/>
+              </a:xfrm>
+              <a:prstGeom prst="line">
+                <a:avLst/>
+              </a:prstGeom>
+              <a:ln w="12700">
+                <a:solidFill>
+                  <a:schemeClr val="tx1"/>
+                </a:solidFill>
+                <a:prstDash val="solid"/>
+              </a:ln>
+            </p:spPr>
+            <p:style>
+              <a:lnRef idx="1">
+                <a:schemeClr val="accent1"/>
+              </a:lnRef>
+              <a:fillRef idx="0">
+                <a:schemeClr val="accent1"/>
+              </a:fillRef>
+              <a:effectRef idx="0">
+                <a:schemeClr val="accent1"/>
+              </a:effectRef>
+              <a:fontRef idx="minor">
+                <a:schemeClr val="tx1"/>
+              </a:fontRef>
+            </p:style>
+          </p:cxnSp>
+        </p:grpSp>
+      </p:grpSp>
+      <p:sp>
+        <p:nvSpPr>
+          <p:cNvPr id="59" name="TextBox 58"/>
+          <p:cNvSpPr txBox="1"/>
+          <p:nvPr/>
+        </p:nvSpPr>
+        <p:spPr>
+          <a:xfrm>
+            <a:off x="737709" y="18359968"/>
+            <a:ext cx="19118952" cy="2123658"/>
+          </a:xfrm>
+          <a:prstGeom prst="rect">
+            <a:avLst/>
+          </a:prstGeom>
+          <a:noFill/>
+        </p:spPr>
+        <p:txBody>
+          <a:bodyPr wrap="square" rtlCol="0">
+            <a:spAutoFit/>
+          </a:bodyPr>
+          <a:lstStyle/>
+          <a:p>
+            <a:r>
+              <a:rPr lang="en-US" sz="4400" dirty="0" smtClean="0">
+                <a:latin typeface="Arial" charset="0"/>
+                <a:ea typeface="Arial" charset="0"/>
+                <a:cs typeface="Arial" charset="0"/>
+              </a:rPr>
+              <a:t>Data collected by Project Implicit </a:t>
+            </a:r>
+            <a:r>
+              <a:rPr lang="en-US" sz="3600" dirty="0" smtClean="0">
+                <a:latin typeface="Arial" charset="0"/>
+                <a:ea typeface="Arial" charset="0"/>
+                <a:cs typeface="Arial" charset="0"/>
+              </a:rPr>
+              <a:t>(</a:t>
+            </a:r>
+            <a:r>
+              <a:rPr lang="en-US" sz="3600" dirty="0" err="1" smtClean="0">
+                <a:latin typeface="Arial" charset="0"/>
+                <a:ea typeface="Arial" charset="0"/>
+                <a:cs typeface="Arial" charset="0"/>
+              </a:rPr>
+              <a:t>Nosek</a:t>
+            </a:r>
+            <a:r>
+              <a:rPr lang="en-US" sz="3600" dirty="0" smtClean="0">
+                <a:latin typeface="Arial" charset="0"/>
+                <a:ea typeface="Arial" charset="0"/>
+                <a:cs typeface="Arial" charset="0"/>
+              </a:rPr>
+              <a:t>, </a:t>
+            </a:r>
+            <a:r>
+              <a:rPr lang="en-US" sz="3600" dirty="0" err="1" smtClean="0">
+                <a:latin typeface="Arial" charset="0"/>
+                <a:ea typeface="Arial" charset="0"/>
+                <a:cs typeface="Arial" charset="0"/>
+              </a:rPr>
+              <a:t>Banaji</a:t>
+            </a:r>
+            <a:r>
+              <a:rPr lang="en-US" sz="3600" dirty="0" smtClean="0">
+                <a:latin typeface="Arial" charset="0"/>
+                <a:ea typeface="Arial" charset="0"/>
+                <a:cs typeface="Arial" charset="0"/>
+              </a:rPr>
+              <a:t>, &amp; Greenwald, 2002)  </a:t>
+            </a:r>
+            <a:r>
+              <a:rPr lang="mr-IN" sz="4400" dirty="0" smtClean="0">
+                <a:latin typeface="Arial" charset="0"/>
+                <a:ea typeface="Arial" charset="0"/>
+                <a:cs typeface="Arial" charset="0"/>
+              </a:rPr>
+              <a:t>–</a:t>
+            </a:r>
+            <a:r>
+              <a:rPr lang="en-US" sz="4400" dirty="0" smtClean="0">
+                <a:latin typeface="Arial" charset="0"/>
+                <a:ea typeface="Arial" charset="0"/>
+                <a:cs typeface="Arial" charset="0"/>
+              </a:rPr>
+              <a:t> 663,709 participants from 48 countries (</a:t>
+            </a:r>
+            <a:r>
+              <a:rPr lang="en-US" sz="4400" i="1" dirty="0" smtClean="0">
+                <a:latin typeface="Arial" charset="0"/>
+                <a:ea typeface="Arial" charset="0"/>
+                <a:cs typeface="Arial" charset="0"/>
+              </a:rPr>
+              <a:t>d</a:t>
+            </a:r>
+            <a:r>
+              <a:rPr lang="en-US" sz="4400" dirty="0" smtClean="0">
+                <a:latin typeface="Arial" charset="0"/>
+                <a:ea typeface="Arial" charset="0"/>
+                <a:cs typeface="Arial" charset="0"/>
+              </a:rPr>
+              <a:t> = 1.08; </a:t>
+            </a:r>
+            <a:r>
+              <a:rPr lang="en-US" sz="4400" i="1" dirty="0" smtClean="0">
+                <a:latin typeface="Arial" charset="0"/>
+                <a:ea typeface="Arial" charset="0"/>
+                <a:cs typeface="Arial" charset="0"/>
+              </a:rPr>
+              <a:t>M </a:t>
+            </a:r>
+            <a:r>
+              <a:rPr lang="en-US" sz="4400" dirty="0" smtClean="0">
+                <a:latin typeface="Arial" charset="0"/>
+                <a:ea typeface="Arial" charset="0"/>
+                <a:cs typeface="Arial" charset="0"/>
+              </a:rPr>
+              <a:t>= 1.05</a:t>
+            </a:r>
+            <a:r>
+              <a:rPr lang="en-US" sz="4400" i="1" dirty="0" smtClean="0">
+                <a:latin typeface="Arial" charset="0"/>
+                <a:ea typeface="Arial" charset="0"/>
+                <a:cs typeface="Arial" charset="0"/>
+              </a:rPr>
+              <a:t>; SD </a:t>
+            </a:r>
+            <a:r>
+              <a:rPr lang="en-US" sz="4400" dirty="0" smtClean="0">
+                <a:latin typeface="Arial" charset="0"/>
+                <a:ea typeface="Arial" charset="0"/>
+                <a:cs typeface="Arial" charset="0"/>
+              </a:rPr>
+              <a:t>= .07).</a:t>
+            </a:r>
+            <a:endParaRPr lang="en-US" sz="4400" dirty="0" smtClean="0"/>
+          </a:p>
+          <a:p>
+            <a:endParaRPr lang="en-US" sz="4400" dirty="0">
+              <a:latin typeface="Arial" charset="0"/>
+              <a:ea typeface="Arial" charset="0"/>
+              <a:cs typeface="Arial" charset="0"/>
+            </a:endParaRPr>
+          </a:p>
+        </p:txBody>
+      </p:sp>
+      <p:sp>
+        <p:nvSpPr>
+          <p:cNvPr id="60" name="Rectangle 59"/>
+          <p:cNvSpPr/>
+          <p:nvPr/>
+        </p:nvSpPr>
+        <p:spPr>
+          <a:xfrm>
+            <a:off x="20795102" y="6120617"/>
+            <a:ext cx="12550231" cy="954107"/>
+          </a:xfrm>
+          <a:prstGeom prst="rect">
+            <a:avLst/>
+          </a:prstGeom>
+        </p:spPr>
+        <p:txBody>
+          <a:bodyPr wrap="none">
+            <a:spAutoFit/>
+          </a:bodyPr>
+          <a:lstStyle/>
+          <a:p>
+            <a:r>
+              <a:rPr lang="en-US" sz="5400" b="1" dirty="0" smtClean="0">
+                <a:latin typeface="Arial" charset="0"/>
+                <a:ea typeface="Arial" charset="0"/>
+                <a:cs typeface="Arial" charset="0"/>
+              </a:rPr>
+              <a:t>Study 2: Gender bias and semantics</a:t>
+            </a:r>
+            <a:endParaRPr lang="en-US" sz="5400" b="1" dirty="0">
+              <a:latin typeface="Arial" charset="0"/>
+              <a:ea typeface="Arial" charset="0"/>
+              <a:cs typeface="Arial" charset="0"/>
+            </a:endParaRPr>
+          </a:p>
+        </p:txBody>
+      </p:sp>
+      <p:sp>
+        <p:nvSpPr>
+          <p:cNvPr id="61" name="Rectangle 60"/>
+          <p:cNvSpPr/>
+          <p:nvPr/>
+        </p:nvSpPr>
+        <p:spPr>
+          <a:xfrm>
+            <a:off x="20871489" y="20428528"/>
+            <a:ext cx="12111008" cy="954107"/>
+          </a:xfrm>
+          <a:prstGeom prst="rect">
+            <a:avLst/>
+          </a:prstGeom>
+        </p:spPr>
+        <p:txBody>
+          <a:bodyPr wrap="none">
+            <a:spAutoFit/>
+          </a:bodyPr>
+          <a:lstStyle/>
+          <a:p>
+            <a:r>
+              <a:rPr lang="en-US" sz="5400" b="1" dirty="0" smtClean="0">
+                <a:latin typeface="Arial" charset="0"/>
+                <a:ea typeface="Arial" charset="0"/>
+                <a:cs typeface="Arial" charset="0"/>
+              </a:rPr>
+              <a:t>Study 3: Gender bias and grammar</a:t>
+            </a:r>
+            <a:endParaRPr lang="en-US" sz="5400" b="1" dirty="0">
+              <a:latin typeface="Arial" charset="0"/>
+              <a:ea typeface="Arial" charset="0"/>
+              <a:cs typeface="Arial" charset="0"/>
+            </a:endParaRPr>
+          </a:p>
+        </p:txBody>
+      </p:sp>
+      <p:pic>
+        <p:nvPicPr>
+          <p:cNvPr id="62" name="Picture 61"/>
+          <p:cNvPicPr>
+            <a:picLocks noChangeAspect="1"/>
+          </p:cNvPicPr>
+          <p:nvPr/>
+        </p:nvPicPr>
+        <p:blipFill>
+          <a:blip r:embed="rId5">
+            <a:extLst>
+              <a:ext uri="{28A0092B-C50C-407E-A947-70E740481C1C}">
+                <a14:useLocalDpi xmlns:a14="http://schemas.microsoft.com/office/drawing/2010/main" val="0"/>
+              </a:ext>
+            </a:extLst>
+          </a:blip>
+          <a:stretch>
+            <a:fillRect/>
+          </a:stretch>
+        </p:blipFill>
+        <p:spPr>
+          <a:xfrm>
+            <a:off x="35443948" y="13424961"/>
             <a:ext cx="7776496" cy="7170536"/>
           </a:xfrm>
           <a:prstGeom prst="rect">
@@ -4123,8 +4591,8 @@
         </p:nvSpPr>
         <p:spPr>
           <a:xfrm>
-            <a:off x="21074007" y="28851740"/>
-            <a:ext cx="22268357" cy="4637959"/>
+            <a:off x="20976035" y="27464689"/>
+            <a:ext cx="22268357" cy="4687100"/>
           </a:xfrm>
           <a:prstGeom prst="roundRect">
             <a:avLst>
@@ -4175,7 +4643,7 @@
         </p:nvSpPr>
         <p:spPr>
           <a:xfrm>
-            <a:off x="21185701" y="28983801"/>
+            <a:off x="21194409" y="27578989"/>
             <a:ext cx="3954929" cy="923330"/>
           </a:xfrm>
           <a:prstGeom prst="rect">
@@ -4204,16 +4672,994 @@
           </a:p>
         </p:txBody>
       </p:sp>
+      <p:sp>
+        <p:nvSpPr>
+          <p:cNvPr id="73" name="TextBox 72"/>
+          <p:cNvSpPr txBox="1"/>
+          <p:nvPr/>
+        </p:nvSpPr>
+        <p:spPr>
+          <a:xfrm>
+            <a:off x="737709" y="20342160"/>
+            <a:ext cx="20247041" cy="769441"/>
+          </a:xfrm>
+          <a:prstGeom prst="rect">
+            <a:avLst/>
+          </a:prstGeom>
+          <a:noFill/>
+        </p:spPr>
+        <p:txBody>
+          <a:bodyPr wrap="square" rtlCol="0">
+            <a:spAutoFit/>
+          </a:bodyPr>
+          <a:lstStyle/>
+          <a:p>
+            <a:r>
+              <a:rPr lang="en-US" sz="4400" dirty="0" smtClean="0">
+                <a:latin typeface="Arial" charset="0"/>
+                <a:ea typeface="Arial" charset="0"/>
+                <a:cs typeface="Arial" charset="0"/>
+              </a:rPr>
+              <a:t>Implicit and explicit bias measures correlated (</a:t>
+            </a:r>
+            <a:r>
+              <a:rPr lang="en-US" sz="4400" i="1" dirty="0" smtClean="0">
+                <a:latin typeface="Arial" charset="0"/>
+                <a:ea typeface="Arial" charset="0"/>
+                <a:cs typeface="Arial" charset="0"/>
+              </a:rPr>
+              <a:t>r</a:t>
+            </a:r>
+            <a:r>
+              <a:rPr lang="en-US" sz="4400" dirty="0" smtClean="0">
+                <a:latin typeface="Arial" charset="0"/>
+                <a:ea typeface="Arial" charset="0"/>
+                <a:cs typeface="Arial" charset="0"/>
+              </a:rPr>
+              <a:t> = .15; </a:t>
+            </a:r>
+            <a:r>
+              <a:rPr lang="en-US" sz="4400" i="1" dirty="0" smtClean="0">
+                <a:latin typeface="Arial" charset="0"/>
+                <a:ea typeface="Arial" charset="0"/>
+                <a:cs typeface="Arial" charset="0"/>
+              </a:rPr>
+              <a:t>p</a:t>
+            </a:r>
+            <a:r>
+              <a:rPr lang="en-US" sz="4400" dirty="0" smtClean="0">
+                <a:latin typeface="Arial" charset="0"/>
+                <a:ea typeface="Arial" charset="0"/>
+                <a:cs typeface="Arial" charset="0"/>
+              </a:rPr>
+              <a:t> &lt; .0001).</a:t>
+            </a:r>
+            <a:endParaRPr lang="en-US" sz="4400" dirty="0">
+              <a:latin typeface="Arial" charset="0"/>
+              <a:ea typeface="Arial" charset="0"/>
+              <a:cs typeface="Arial" charset="0"/>
+            </a:endParaRPr>
+          </a:p>
+        </p:txBody>
+      </p:sp>
+      <p:sp>
+        <p:nvSpPr>
+          <p:cNvPr id="74" name="TextBox 73"/>
+          <p:cNvSpPr txBox="1"/>
+          <p:nvPr/>
+        </p:nvSpPr>
+        <p:spPr>
+          <a:xfrm>
+            <a:off x="20825307" y="7088719"/>
+            <a:ext cx="14482763" cy="12834283"/>
+          </a:xfrm>
+          <a:prstGeom prst="rect">
+            <a:avLst/>
+          </a:prstGeom>
+          <a:noFill/>
+        </p:spPr>
+        <p:txBody>
+          <a:bodyPr wrap="square" rtlCol="0">
+            <a:spAutoFit/>
+          </a:bodyPr>
+          <a:lstStyle/>
+          <a:p>
+            <a:r>
+              <a:rPr lang="en-US" sz="4400" dirty="0" smtClean="0">
+                <a:latin typeface="Arial" charset="0"/>
+                <a:ea typeface="Arial" charset="0"/>
+                <a:cs typeface="Arial" charset="0"/>
+              </a:rPr>
+              <a:t>Measure </a:t>
+            </a:r>
+            <a:r>
+              <a:rPr lang="en-US" sz="4400" dirty="0" smtClean="0">
+                <a:latin typeface="Arial" charset="0"/>
+                <a:ea typeface="Arial" charset="0"/>
+                <a:cs typeface="Arial" charset="0"/>
+              </a:rPr>
+              <a:t>bias </a:t>
+            </a:r>
+            <a:r>
+              <a:rPr lang="en-US" sz="4400" dirty="0" smtClean="0">
+                <a:latin typeface="Arial" charset="0"/>
+                <a:ea typeface="Arial" charset="0"/>
+                <a:cs typeface="Arial" charset="0"/>
+              </a:rPr>
+              <a:t>in language using word-embedding models trained on Wikipedia</a:t>
+            </a:r>
+            <a:r>
+              <a:rPr lang="en-US" sz="4000" dirty="0" smtClean="0">
+                <a:latin typeface="Arial" charset="0"/>
+                <a:ea typeface="Arial" charset="0"/>
+                <a:cs typeface="Arial" charset="0"/>
+              </a:rPr>
+              <a:t> </a:t>
+            </a:r>
+            <a:r>
+              <a:rPr lang="en-US" sz="3200" dirty="0" smtClean="0">
+                <a:latin typeface="Arial" charset="0"/>
+                <a:ea typeface="Arial" charset="0"/>
+                <a:cs typeface="Arial" charset="0"/>
+              </a:rPr>
+              <a:t>(Bojanowski, Grave, </a:t>
+            </a:r>
+            <a:r>
+              <a:rPr lang="en-US" sz="3200" dirty="0" err="1" smtClean="0">
+                <a:latin typeface="Arial" charset="0"/>
+                <a:ea typeface="Arial" charset="0"/>
+                <a:cs typeface="Arial" charset="0"/>
+              </a:rPr>
+              <a:t>Joulin</a:t>
+            </a:r>
+            <a:r>
+              <a:rPr lang="en-US" sz="3200" dirty="0" smtClean="0">
+                <a:latin typeface="Arial" charset="0"/>
+                <a:ea typeface="Arial" charset="0"/>
+                <a:cs typeface="Arial" charset="0"/>
+              </a:rPr>
+              <a:t>, &amp; </a:t>
+            </a:r>
+            <a:r>
+              <a:rPr lang="en-US" sz="3200" dirty="0" err="1" smtClean="0">
+                <a:latin typeface="Arial" charset="0"/>
+                <a:ea typeface="Arial" charset="0"/>
+                <a:cs typeface="Arial" charset="0"/>
+              </a:rPr>
+              <a:t>Mikolov</a:t>
+            </a:r>
+            <a:r>
+              <a:rPr lang="en-US" sz="3200" dirty="0" smtClean="0">
+                <a:latin typeface="Arial" charset="0"/>
+                <a:ea typeface="Arial" charset="0"/>
+                <a:cs typeface="Arial" charset="0"/>
+              </a:rPr>
+              <a:t>, 2016</a:t>
+            </a:r>
+            <a:r>
+              <a:rPr lang="en-US" sz="3200" dirty="0">
+                <a:latin typeface="Arial" charset="0"/>
+                <a:ea typeface="Arial" charset="0"/>
+                <a:cs typeface="Arial" charset="0"/>
+              </a:rPr>
+              <a:t>). </a:t>
+            </a:r>
+            <a:endParaRPr lang="en-US" sz="3200" dirty="0" smtClean="0">
+              <a:latin typeface="Arial" charset="0"/>
+              <a:ea typeface="Arial" charset="0"/>
+              <a:cs typeface="Arial" charset="0"/>
+            </a:endParaRPr>
+          </a:p>
+          <a:p>
+            <a:endParaRPr lang="en-US" sz="3200" dirty="0">
+              <a:latin typeface="Arial" charset="0"/>
+              <a:ea typeface="Arial" charset="0"/>
+              <a:cs typeface="Arial" charset="0"/>
+            </a:endParaRPr>
+          </a:p>
+          <a:p>
+            <a:r>
+              <a:rPr lang="en-US" sz="4400" dirty="0" smtClean="0">
+                <a:latin typeface="Arial" charset="0"/>
+                <a:ea typeface="Arial" charset="0"/>
+                <a:cs typeface="Arial" charset="0"/>
+              </a:rPr>
+              <a:t>Bias calculated as </a:t>
+            </a:r>
+            <a:r>
+              <a:rPr lang="en-US" sz="4400" i="1" dirty="0" smtClean="0">
+                <a:latin typeface="Arial" charset="0"/>
+                <a:ea typeface="Arial" charset="0"/>
+                <a:cs typeface="Arial" charset="0"/>
+              </a:rPr>
+              <a:t>cos</a:t>
+            </a:r>
+            <a:r>
+              <a:rPr lang="en-US" sz="4400" dirty="0" smtClean="0">
+                <a:latin typeface="Arial" charset="0"/>
+                <a:ea typeface="Arial" charset="0"/>
+                <a:cs typeface="Arial" charset="0"/>
+              </a:rPr>
+              <a:t>(male-words, target) </a:t>
+            </a:r>
+            <a:r>
+              <a:rPr lang="mr-IN" sz="4400" dirty="0" smtClean="0">
+                <a:latin typeface="Arial" charset="0"/>
+                <a:ea typeface="Arial" charset="0"/>
+                <a:cs typeface="Arial" charset="0"/>
+              </a:rPr>
+              <a:t>–</a:t>
+            </a:r>
+            <a:r>
+              <a:rPr lang="en-US" sz="4400" dirty="0" smtClean="0">
+                <a:latin typeface="Arial" charset="0"/>
+                <a:ea typeface="Arial" charset="0"/>
+                <a:cs typeface="Arial" charset="0"/>
+              </a:rPr>
+              <a:t> </a:t>
+            </a:r>
+            <a:r>
+              <a:rPr lang="en-US" sz="4400" i="1" dirty="0" smtClean="0">
+                <a:latin typeface="Arial" charset="0"/>
+                <a:ea typeface="Arial" charset="0"/>
+                <a:cs typeface="Arial" charset="0"/>
+              </a:rPr>
+              <a:t>cos</a:t>
+            </a:r>
+            <a:r>
+              <a:rPr lang="en-US" sz="4400" dirty="0" smtClean="0">
+                <a:latin typeface="Arial" charset="0"/>
+                <a:ea typeface="Arial" charset="0"/>
+                <a:cs typeface="Arial" charset="0"/>
+              </a:rPr>
+              <a:t>(female-words, target).</a:t>
+            </a:r>
+            <a:endParaRPr lang="en-US" sz="4400" dirty="0">
+              <a:latin typeface="Arial" charset="0"/>
+              <a:ea typeface="Arial" charset="0"/>
+              <a:cs typeface="Arial" charset="0"/>
+            </a:endParaRPr>
+          </a:p>
+          <a:p>
+            <a:endParaRPr lang="en-US" sz="3600" dirty="0">
+              <a:latin typeface="Arial" charset="0"/>
+              <a:ea typeface="Arial" charset="0"/>
+              <a:cs typeface="Arial" charset="0"/>
+            </a:endParaRPr>
+          </a:p>
+          <a:p>
+            <a:r>
+              <a:rPr lang="en-US" sz="4400" dirty="0" smtClean="0">
+                <a:latin typeface="Arial" charset="0"/>
+                <a:ea typeface="Arial" charset="0"/>
+                <a:cs typeface="Arial" charset="0"/>
+              </a:rPr>
+              <a:t>In English, </a:t>
+            </a:r>
+            <a:r>
+              <a:rPr lang="en-US" sz="4400" dirty="0" smtClean="0">
+                <a:latin typeface="Arial" charset="0"/>
+                <a:ea typeface="Arial" charset="0"/>
+                <a:cs typeface="Arial" charset="0"/>
+              </a:rPr>
+              <a:t>gender bias of </a:t>
+            </a:r>
+            <a:r>
+              <a:rPr lang="en-US" sz="4400" dirty="0" smtClean="0">
+                <a:latin typeface="Arial" charset="0"/>
+                <a:ea typeface="Arial" charset="0"/>
+                <a:cs typeface="Arial" charset="0"/>
+              </a:rPr>
+              <a:t>a word in embedding model strongly correlated with explicit gender ratings </a:t>
+            </a:r>
+            <a:r>
+              <a:rPr lang="en-US" sz="3200" dirty="0" smtClean="0">
+                <a:latin typeface="Arial" charset="0"/>
+                <a:ea typeface="Arial" charset="0"/>
+                <a:cs typeface="Arial" charset="0"/>
+              </a:rPr>
+              <a:t>(</a:t>
+            </a:r>
+            <a:r>
+              <a:rPr lang="en-US" sz="3200" i="1" dirty="0" smtClean="0">
+                <a:latin typeface="Arial" charset="0"/>
+                <a:ea typeface="Arial" charset="0"/>
+                <a:cs typeface="Arial" charset="0"/>
+              </a:rPr>
+              <a:t>r</a:t>
+            </a:r>
+            <a:r>
+              <a:rPr lang="en-US" sz="3200" dirty="0" smtClean="0">
+                <a:latin typeface="Arial" charset="0"/>
+                <a:ea typeface="Arial" charset="0"/>
+                <a:cs typeface="Arial" charset="0"/>
+              </a:rPr>
+              <a:t> = .59; </a:t>
+            </a:r>
+            <a:r>
+              <a:rPr lang="en-US" sz="3200" i="1" dirty="0" smtClean="0">
+                <a:latin typeface="Arial" charset="0"/>
+                <a:ea typeface="Arial" charset="0"/>
+                <a:cs typeface="Arial" charset="0"/>
+              </a:rPr>
+              <a:t>p</a:t>
+            </a:r>
+            <a:r>
+              <a:rPr lang="en-US" sz="3200" dirty="0" smtClean="0">
+                <a:latin typeface="Arial" charset="0"/>
+                <a:ea typeface="Arial" charset="0"/>
+                <a:cs typeface="Arial" charset="0"/>
+              </a:rPr>
+              <a:t> &lt;. 001; Scott et al., 2017).</a:t>
+            </a:r>
+            <a:endParaRPr lang="en-US" sz="3200" dirty="0">
+              <a:latin typeface="Arial" charset="0"/>
+              <a:ea typeface="Arial" charset="0"/>
+              <a:cs typeface="Arial" charset="0"/>
+            </a:endParaRPr>
+          </a:p>
+          <a:p>
+            <a:endParaRPr lang="en-US" sz="4400" dirty="0" smtClean="0">
+              <a:latin typeface="Arial" charset="0"/>
+              <a:ea typeface="Arial" charset="0"/>
+              <a:cs typeface="Arial" charset="0"/>
+            </a:endParaRPr>
+          </a:p>
+          <a:p>
+            <a:r>
+              <a:rPr lang="en-US" sz="4400" dirty="0" smtClean="0">
+                <a:latin typeface="Arial" charset="0"/>
+                <a:ea typeface="Arial" charset="0"/>
+                <a:cs typeface="Arial" charset="0"/>
+              </a:rPr>
+              <a:t>Conducted linguistic analog to behavioral IAT using English word embedding models</a:t>
+            </a:r>
+            <a:r>
+              <a:rPr lang="en-US" sz="3200" dirty="0" smtClean="0">
+                <a:latin typeface="Arial" charset="0"/>
+                <a:ea typeface="Arial" charset="0"/>
+                <a:cs typeface="Arial" charset="0"/>
+              </a:rPr>
+              <a:t> (replicating </a:t>
+            </a:r>
+            <a:r>
+              <a:rPr lang="en-US" sz="3200" dirty="0" err="1" smtClean="0">
+                <a:latin typeface="Arial" charset="0"/>
+                <a:ea typeface="Arial" charset="0"/>
+                <a:cs typeface="Arial" charset="0"/>
+              </a:rPr>
+              <a:t>Caliskan</a:t>
+            </a:r>
+            <a:r>
+              <a:rPr lang="en-US" sz="3200" dirty="0" smtClean="0">
+                <a:latin typeface="Arial" charset="0"/>
+                <a:ea typeface="Arial" charset="0"/>
+                <a:cs typeface="Arial" charset="0"/>
+              </a:rPr>
+              <a:t>, et al., 2017).</a:t>
+            </a:r>
+          </a:p>
+          <a:p>
+            <a:endParaRPr lang="en-US" sz="3600" dirty="0">
+              <a:latin typeface="Arial" charset="0"/>
+              <a:ea typeface="Arial" charset="0"/>
+              <a:cs typeface="Arial" charset="0"/>
+            </a:endParaRPr>
+          </a:p>
+          <a:p>
+            <a:r>
+              <a:rPr lang="en-US" sz="4400" dirty="0" smtClean="0">
+                <a:latin typeface="Arial" charset="0"/>
+                <a:ea typeface="Arial" charset="0"/>
+                <a:cs typeface="Arial" charset="0"/>
+              </a:rPr>
+              <a:t>Translated target words into </a:t>
+            </a:r>
+            <a:r>
+              <a:rPr lang="en-US" sz="4400" dirty="0" smtClean="0">
+                <a:latin typeface="Arial" charset="0"/>
+                <a:ea typeface="Arial" charset="0"/>
+                <a:cs typeface="Arial" charset="0"/>
+              </a:rPr>
+              <a:t>20 </a:t>
+            </a:r>
+            <a:r>
+              <a:rPr lang="en-US" sz="4400" dirty="0" smtClean="0">
+                <a:latin typeface="Arial" charset="0"/>
+                <a:ea typeface="Arial" charset="0"/>
+                <a:cs typeface="Arial" charset="0"/>
+              </a:rPr>
+              <a:t>languages by native speakers, and conducted language IAT using model trained on each language.</a:t>
+            </a:r>
+          </a:p>
+          <a:p>
+            <a:endParaRPr lang="en-US" sz="4400" dirty="0">
+              <a:latin typeface="Arial" charset="0"/>
+              <a:ea typeface="Arial" charset="0"/>
+              <a:cs typeface="Arial" charset="0"/>
+            </a:endParaRPr>
+          </a:p>
+          <a:p>
+            <a:r>
+              <a:rPr lang="en-US" sz="4400" dirty="0" smtClean="0">
+                <a:latin typeface="Arial" charset="0"/>
+                <a:ea typeface="Arial" charset="0"/>
+                <a:cs typeface="Arial" charset="0"/>
+              </a:rPr>
+              <a:t>Behavioral and language IAT measures </a:t>
+            </a:r>
+            <a:r>
+              <a:rPr lang="en-US" sz="4400" dirty="0" smtClean="0">
+                <a:latin typeface="Arial" charset="0"/>
+                <a:ea typeface="Arial" charset="0"/>
+                <a:cs typeface="Arial" charset="0"/>
+              </a:rPr>
+              <a:t>positively correlated </a:t>
+            </a:r>
+            <a:r>
+              <a:rPr lang="en-US" sz="4400" dirty="0" smtClean="0">
+                <a:latin typeface="Arial" charset="0"/>
+                <a:ea typeface="Arial" charset="0"/>
+                <a:cs typeface="Arial" charset="0"/>
+              </a:rPr>
+              <a:t>at the level of languages (</a:t>
+            </a:r>
+            <a:r>
+              <a:rPr lang="en-US" sz="4400" i="1" dirty="0" smtClean="0">
+                <a:latin typeface="Arial" charset="0"/>
+                <a:ea typeface="Arial" charset="0"/>
+                <a:cs typeface="Arial" charset="0"/>
+              </a:rPr>
+              <a:t>r</a:t>
+            </a:r>
+            <a:r>
+              <a:rPr lang="en-US" sz="4400" dirty="0" smtClean="0">
+                <a:latin typeface="Arial" charset="0"/>
+                <a:ea typeface="Arial" charset="0"/>
+                <a:cs typeface="Arial" charset="0"/>
+              </a:rPr>
+              <a:t> = .48; </a:t>
+            </a:r>
+            <a:r>
+              <a:rPr lang="en-US" sz="4400" i="1" dirty="0" smtClean="0">
+                <a:latin typeface="Arial" charset="0"/>
+                <a:ea typeface="Arial" charset="0"/>
+                <a:cs typeface="Arial" charset="0"/>
+              </a:rPr>
+              <a:t>p</a:t>
+            </a:r>
+            <a:r>
+              <a:rPr lang="en-US" sz="4400" dirty="0" smtClean="0">
+                <a:latin typeface="Arial" charset="0"/>
+                <a:ea typeface="Arial" charset="0"/>
+                <a:cs typeface="Arial" charset="0"/>
+              </a:rPr>
+              <a:t> = .03). </a:t>
+            </a:r>
+            <a:endParaRPr lang="en-US" sz="4400" dirty="0">
+              <a:latin typeface="Arial" charset="0"/>
+              <a:ea typeface="Arial" charset="0"/>
+              <a:cs typeface="Arial" charset="0"/>
+            </a:endParaRPr>
+          </a:p>
+        </p:txBody>
+      </p:sp>
+      <p:sp>
+        <p:nvSpPr>
+          <p:cNvPr id="75" name="TextBox 74"/>
+          <p:cNvSpPr txBox="1"/>
+          <p:nvPr/>
+        </p:nvSpPr>
+        <p:spPr>
+          <a:xfrm>
+            <a:off x="20886497" y="21403536"/>
+            <a:ext cx="14679371" cy="5509200"/>
+          </a:xfrm>
+          <a:prstGeom prst="rect">
+            <a:avLst/>
+          </a:prstGeom>
+          <a:noFill/>
+        </p:spPr>
+        <p:txBody>
+          <a:bodyPr wrap="square" rtlCol="0">
+            <a:spAutoFit/>
+          </a:bodyPr>
+          <a:lstStyle/>
+          <a:p>
+            <a:r>
+              <a:rPr lang="en-US" sz="4400" dirty="0" smtClean="0">
+                <a:latin typeface="Arial" charset="0"/>
+                <a:ea typeface="Arial" charset="0"/>
+                <a:cs typeface="Arial" charset="0"/>
+              </a:rPr>
+              <a:t>Grammatical gender languages tend to have speakers with greater psychological gender bias, compared to speakers of non-grammatical gender languages (</a:t>
+            </a:r>
+            <a:r>
+              <a:rPr lang="en-US" sz="4400" i="1" dirty="0" smtClean="0">
+                <a:latin typeface="Arial" charset="0"/>
+                <a:ea typeface="Arial" charset="0"/>
+                <a:cs typeface="Arial" charset="0"/>
+              </a:rPr>
+              <a:t>d </a:t>
+            </a:r>
+            <a:r>
+              <a:rPr lang="en-US" sz="4400" dirty="0" smtClean="0">
+                <a:latin typeface="Arial" charset="0"/>
+                <a:ea typeface="Arial" charset="0"/>
+                <a:cs typeface="Arial" charset="0"/>
+              </a:rPr>
+              <a:t>= 0.68 [-0.08, 1.45]).</a:t>
+            </a:r>
+          </a:p>
+          <a:p>
+            <a:endParaRPr lang="en-US" sz="4400" dirty="0">
+              <a:latin typeface="Arial" charset="0"/>
+              <a:ea typeface="Arial" charset="0"/>
+              <a:cs typeface="Arial" charset="0"/>
+            </a:endParaRPr>
+          </a:p>
+          <a:p>
+            <a:r>
+              <a:rPr lang="en-US" sz="4400" dirty="0" smtClean="0">
+                <a:latin typeface="Arial" charset="0"/>
+                <a:ea typeface="Arial" charset="0"/>
+                <a:cs typeface="Arial" charset="0"/>
+              </a:rPr>
+              <a:t>Grammatical gender languages </a:t>
+            </a:r>
+            <a:r>
+              <a:rPr lang="en-US" sz="4400" dirty="0" smtClean="0">
+                <a:latin typeface="Arial" charset="0"/>
+                <a:ea typeface="Arial" charset="0"/>
+                <a:cs typeface="Arial" charset="0"/>
+              </a:rPr>
+              <a:t>tend to have larger </a:t>
+            </a:r>
+            <a:r>
+              <a:rPr lang="en-US" sz="4400" dirty="0" smtClean="0">
+                <a:latin typeface="Arial" charset="0"/>
+                <a:ea typeface="Arial" charset="0"/>
+                <a:cs typeface="Arial" charset="0"/>
+              </a:rPr>
+              <a:t>language IAT gender biases, compared to non-grammatical gender languages </a:t>
+            </a:r>
+            <a:r>
+              <a:rPr lang="en-US" sz="4400" dirty="0" smtClean="0">
+                <a:latin typeface="Arial" charset="0"/>
+                <a:ea typeface="Arial" charset="0"/>
+                <a:cs typeface="Arial" charset="0"/>
+              </a:rPr>
+              <a:t>(</a:t>
+            </a:r>
+            <a:r>
+              <a:rPr lang="en-US" sz="4400" i="1" dirty="0" smtClean="0">
+                <a:latin typeface="Arial" charset="0"/>
+                <a:ea typeface="Arial" charset="0"/>
+                <a:cs typeface="Arial" charset="0"/>
+              </a:rPr>
+              <a:t>d</a:t>
+            </a:r>
+            <a:r>
+              <a:rPr lang="en-US" sz="4400" dirty="0" smtClean="0">
+                <a:latin typeface="Arial" charset="0"/>
+                <a:ea typeface="Arial" charset="0"/>
+                <a:cs typeface="Arial" charset="0"/>
+              </a:rPr>
+              <a:t> = .99 [-.02, 2.01]).</a:t>
+            </a:r>
+            <a:endParaRPr lang="en-US" sz="4400" dirty="0">
+              <a:latin typeface="Arial" charset="0"/>
+              <a:ea typeface="Arial" charset="0"/>
+              <a:cs typeface="Arial" charset="0"/>
+            </a:endParaRPr>
+          </a:p>
+        </p:txBody>
+      </p:sp>
+      <p:sp>
+        <p:nvSpPr>
+          <p:cNvPr id="77" name="TextBox 76"/>
+          <p:cNvSpPr txBox="1"/>
+          <p:nvPr/>
+        </p:nvSpPr>
+        <p:spPr>
+          <a:xfrm>
+            <a:off x="21194409" y="28575677"/>
+            <a:ext cx="21973783" cy="3477875"/>
+          </a:xfrm>
+          <a:prstGeom prst="rect">
+            <a:avLst/>
+          </a:prstGeom>
+          <a:noFill/>
+        </p:spPr>
+        <p:txBody>
+          <a:bodyPr wrap="square" rtlCol="0">
+            <a:spAutoFit/>
+          </a:bodyPr>
+          <a:lstStyle/>
+          <a:p>
+            <a:r>
+              <a:rPr lang="en-US" sz="4400" dirty="0" smtClean="0">
+                <a:latin typeface="Arial" charset="0"/>
+                <a:ea typeface="Arial" charset="0"/>
+                <a:cs typeface="Arial" charset="0"/>
+              </a:rPr>
+              <a:t>Languages with larger gender biases in their semantics (Study 2) and grammatical gender markers (Study 3) tend to have speakers with larger implicit </a:t>
+            </a:r>
+            <a:r>
+              <a:rPr lang="en-US" sz="4400" smtClean="0">
+                <a:latin typeface="Arial" charset="0"/>
+                <a:ea typeface="Arial" charset="0"/>
+                <a:cs typeface="Arial" charset="0"/>
+              </a:rPr>
+              <a:t>gender </a:t>
+            </a:r>
+            <a:r>
+              <a:rPr lang="en-US" sz="4400" smtClean="0">
+                <a:latin typeface="Arial" charset="0"/>
+                <a:ea typeface="Arial" charset="0"/>
+                <a:cs typeface="Arial" charset="0"/>
+              </a:rPr>
+              <a:t>biases.</a:t>
+            </a:r>
+            <a:endParaRPr lang="en-US" sz="4400" dirty="0" smtClean="0">
+              <a:latin typeface="Arial" charset="0"/>
+              <a:ea typeface="Arial" charset="0"/>
+              <a:cs typeface="Arial" charset="0"/>
+            </a:endParaRPr>
+          </a:p>
+          <a:p>
+            <a:endParaRPr lang="en-US" sz="4400" dirty="0">
+              <a:latin typeface="Arial" charset="0"/>
+              <a:ea typeface="Arial" charset="0"/>
+              <a:cs typeface="Arial" charset="0"/>
+            </a:endParaRPr>
+          </a:p>
+          <a:p>
+            <a:r>
+              <a:rPr lang="en-US" sz="4400" dirty="0" smtClean="0">
+                <a:latin typeface="Arial" charset="0"/>
+                <a:ea typeface="Arial" charset="0"/>
+                <a:cs typeface="Arial" charset="0"/>
+              </a:rPr>
+              <a:t>Studies 2 and 3 consistent with both hypotheses; Study 3 provides some evidence for causal </a:t>
+            </a:r>
+            <a:r>
+              <a:rPr lang="en-US" sz="4400" dirty="0" smtClean="0">
+                <a:latin typeface="Arial" charset="0"/>
+                <a:ea typeface="Arial" charset="0"/>
+                <a:cs typeface="Arial" charset="0"/>
+              </a:rPr>
+              <a:t>hypothesis.</a:t>
+            </a:r>
+            <a:endParaRPr lang="en-US" sz="4400" dirty="0">
+              <a:latin typeface="Arial" charset="0"/>
+              <a:ea typeface="Arial" charset="0"/>
+              <a:cs typeface="Arial" charset="0"/>
+            </a:endParaRPr>
+          </a:p>
+        </p:txBody>
+      </p:sp>
       <p:pic>
         <p:nvPicPr>
-          <p:cNvPr id="67" name="Picture 66"/>
+          <p:cNvPr id="2" name="Picture 1"/>
+          <p:cNvPicPr>
+            <a:picLocks noChangeAspect="1"/>
+          </p:cNvPicPr>
+          <p:nvPr/>
+        </p:nvPicPr>
+        <p:blipFill rotWithShape="1">
+          <a:blip r:embed="rId3">
+            <a:extLst>
+              <a:ext uri="{28A0092B-C50C-407E-A947-70E740481C1C}">
+                <a14:useLocalDpi xmlns:a14="http://schemas.microsoft.com/office/drawing/2010/main" val="0"/>
+              </a:ext>
+            </a:extLst>
+          </a:blip>
+          <a:srcRect t="10895" b="1"/>
+          <a:stretch/>
+        </p:blipFill>
+        <p:spPr>
+          <a:xfrm>
+            <a:off x="91048" y="22372476"/>
+            <a:ext cx="20531554" cy="10794641"/>
+          </a:xfrm>
+          <a:prstGeom prst="rect">
+            <a:avLst/>
+          </a:prstGeom>
+        </p:spPr>
+      </p:pic>
+      <p:pic>
+        <p:nvPicPr>
+          <p:cNvPr id="12" name="Picture 11"/>
           <p:cNvPicPr>
             <a:picLocks noChangeAspect="1"/>
           </p:cNvPicPr>
           <p:nvPr/>
         </p:nvPicPr>
         <p:blipFill>
-          <a:blip r:embed="rId4">
+          <a:blip r:embed="rId6">
+            <a:extLst>
+              <a:ext uri="{BEBA8EAE-BF5A-486C-A8C5-ECC9F3942E4B}">
+                <a14:imgProps xmlns:a14="http://schemas.microsoft.com/office/drawing/2010/main">
+                  <a14:imgLayer r:embed="rId7">
+                    <a14:imgEffect>
+                      <a14:backgroundRemoval t="0" b="100000" l="0" r="100000">
+                        <a14:foregroundMark x1="59457" y1="71702" x2="59457" y2="71702"/>
+                        <a14:foregroundMark x1="42857" y1="80306" x2="42857" y2="80306"/>
+                        <a14:foregroundMark x1="43964" y1="81644" x2="43964" y2="81644"/>
+                        <a14:foregroundMark x1="45775" y1="78776" x2="45775" y2="78776"/>
+                        <a14:foregroundMark x1="66801" y1="76864" x2="66801" y2="76864"/>
+                        <a14:foregroundMark x1="68813" y1="82027" x2="68813" y2="82027"/>
+                        <a14:foregroundMark x1="70523" y1="82027" x2="70523" y2="82027"/>
+                        <a14:foregroundMark x1="35815" y1="89101" x2="35815" y2="89101"/>
+                        <a14:foregroundMark x1="38028" y1="90440" x2="38028" y2="90440"/>
+                        <a14:foregroundMark x1="41952" y1="87954" x2="41952" y2="87954"/>
+                        <a14:foregroundMark x1="48089" y1="90440" x2="48089" y2="90440"/>
+                        <a14:foregroundMark x1="50000" y1="90057" x2="50000" y2="90057"/>
+                        <a14:foregroundMark x1="51509" y1="89866" x2="51509" y2="89866"/>
+                        <a14:foregroundMark x1="53622" y1="89866" x2="53622" y2="89866"/>
+                        <a14:foregroundMark x1="57143" y1="89675" x2="57143" y2="89675"/>
+                        <a14:foregroundMark x1="59557" y1="89484" x2="59557" y2="89484"/>
+                        <a14:foregroundMark x1="62676" y1="90249" x2="62676" y2="90249"/>
+                        <a14:foregroundMark x1="65795" y1="90440" x2="65795" y2="90440"/>
+                        <a14:foregroundMark x1="65795" y1="87763" x2="65795" y2="87763"/>
+                        <a14:foregroundMark x1="67606" y1="89866" x2="67606" y2="89866"/>
+                        <a14:foregroundMark x1="72032" y1="92352" x2="72032" y2="92352"/>
+                        <a14:foregroundMark x1="91650" y1="78967" x2="91650" y2="78967"/>
+                        <a14:foregroundMark x1="93662" y1="82218" x2="93662" y2="82218"/>
+                        <a14:foregroundMark x1="96378" y1="79732" x2="96378" y2="79732"/>
+                        <a14:foregroundMark x1="17002" y1="76482" x2="17002" y2="76482"/>
+                        <a14:foregroundMark x1="19215" y1="82027" x2="19215" y2="82027"/>
+                        <a14:foregroundMark x1="21932" y1="77055" x2="21932" y2="77055"/>
+                        <a14:foregroundMark x1="19416" y1="70746" x2="19416" y2="70746"/>
+                        <a14:foregroundMark x1="19115" y1="63098" x2="19115" y2="63098"/>
+                        <a14:foregroundMark x1="19215" y1="56023" x2="19215" y2="56023"/>
+                        <a14:foregroundMark x1="19416" y1="48948" x2="19416" y2="48948"/>
+                        <a14:foregroundMark x1="19115" y1="42065" x2="19115" y2="42065"/>
+                        <a14:foregroundMark x1="19316" y1="35182" x2="19316" y2="35182"/>
+                        <a14:foregroundMark x1="19316" y1="28298" x2="19316" y2="28298"/>
+                        <a14:foregroundMark x1="19215" y1="18929" x2="19215" y2="18929"/>
+                        <a14:foregroundMark x1="19416" y1="12620" x2="19416" y2="12620"/>
+                        <a14:foregroundMark x1="46881" y1="80497" x2="46881" y2="80497"/>
+                        <a14:foregroundMark x1="94869" y1="81836" x2="94869" y2="81836"/>
+                        <a14:foregroundMark x1="45272" y1="81453" x2="45272" y2="81453"/>
+                        <a14:foregroundMark x1="46076" y1="82218" x2="46076" y2="82218"/>
+                        <a14:foregroundMark x1="45473" y1="76482" x2="45473" y2="76482"/>
+                        <a14:foregroundMark x1="42254" y1="76291" x2="42254" y2="76291"/>
+                        <a14:foregroundMark x1="40946" y1="79350" x2="40946" y2="79350"/>
+                        <a14:foregroundMark x1="20724" y1="82027" x2="20724" y2="82027"/>
+                        <a14:foregroundMark x1="17606" y1="81836" x2="17606" y2="81836"/>
+                        <a14:foregroundMark x1="66700" y1="78394" x2="66700" y2="78394"/>
+                        <a14:foregroundMark x1="71429" y1="77247" x2="71429" y2="77247"/>
+                        <a14:foregroundMark x1="66801" y1="80688" x2="66801" y2="80688"/>
+                        <a14:foregroundMark x1="91650" y1="80306" x2="91650" y2="80306"/>
+                        <a14:foregroundMark x1="91650" y1="77247" x2="91650" y2="77247"/>
+                      </a14:backgroundRemoval>
+                    </a14:imgEffect>
+                  </a14:imgLayer>
+                </a14:imgProps>
+              </a:ext>
+              <a:ext uri="{28A0092B-C50C-407E-A947-70E740481C1C}">
+                <a14:useLocalDpi xmlns:a14="http://schemas.microsoft.com/office/drawing/2010/main" val="0"/>
+              </a:ext>
+            </a:extLst>
+          </a:blip>
+          <a:stretch>
+            <a:fillRect/>
+          </a:stretch>
+        </p:blipFill>
+        <p:spPr>
+          <a:xfrm>
+            <a:off x="-262385" y="29311395"/>
+            <a:ext cx="6000577" cy="3157245"/>
+          </a:xfrm>
+          <a:prstGeom prst="rect">
+            <a:avLst/>
+          </a:prstGeom>
+        </p:spPr>
+      </p:pic>
+      <p:pic>
+        <p:nvPicPr>
+          <p:cNvPr id="44" name="Picture 43"/>
+          <p:cNvPicPr>
+            <a:picLocks noChangeAspect="1"/>
+          </p:cNvPicPr>
+          <p:nvPr/>
+        </p:nvPicPr>
+        <p:blipFill rotWithShape="1">
+          <a:blip r:embed="rId3">
+            <a:extLst>
+              <a:ext uri="{28A0092B-C50C-407E-A947-70E740481C1C}">
+                <a14:useLocalDpi xmlns:a14="http://schemas.microsoft.com/office/drawing/2010/main" val="0"/>
+              </a:ext>
+            </a:extLst>
+          </a:blip>
+          <a:srcRect t="55680" r="96383" b="1"/>
+          <a:stretch/>
+        </p:blipFill>
+        <p:spPr>
+          <a:xfrm>
+            <a:off x="1465010" y="25916959"/>
+            <a:ext cx="1770265" cy="5369161"/>
+          </a:xfrm>
+          <a:prstGeom prst="rect">
+            <a:avLst/>
+          </a:prstGeom>
+        </p:spPr>
+      </p:pic>
+      <p:pic>
+        <p:nvPicPr>
+          <p:cNvPr id="43" name="Picture 42"/>
+          <p:cNvPicPr>
+            <a:picLocks noChangeAspect="1"/>
+          </p:cNvPicPr>
+          <p:nvPr/>
+        </p:nvPicPr>
+        <p:blipFill rotWithShape="1">
+          <a:blip r:embed="rId3">
+            <a:extLst>
+              <a:ext uri="{28A0092B-C50C-407E-A947-70E740481C1C}">
+                <a14:useLocalDpi xmlns:a14="http://schemas.microsoft.com/office/drawing/2010/main" val="0"/>
+              </a:ext>
+            </a:extLst>
+          </a:blip>
+          <a:srcRect l="6661" t="51443" r="84217" b="16409"/>
+          <a:stretch/>
+        </p:blipFill>
+        <p:spPr>
+          <a:xfrm>
+            <a:off x="1588025" y="25253753"/>
+            <a:ext cx="1872577" cy="3894499"/>
+          </a:xfrm>
+          <a:prstGeom prst="rect">
+            <a:avLst/>
+          </a:prstGeom>
+        </p:spPr>
+      </p:pic>
+      <p:sp>
+        <p:nvSpPr>
+          <p:cNvPr id="45" name="TextBox 44"/>
+          <p:cNvSpPr txBox="1"/>
+          <p:nvPr/>
+        </p:nvSpPr>
+        <p:spPr>
+          <a:xfrm rot="16200000">
+            <a:off x="-645808" y="26569962"/>
+            <a:ext cx="4344651" cy="523220"/>
+          </a:xfrm>
+          <a:prstGeom prst="rect">
+            <a:avLst/>
+          </a:prstGeom>
+          <a:noFill/>
+        </p:spPr>
+        <p:txBody>
+          <a:bodyPr wrap="square" rtlCol="0">
+            <a:spAutoFit/>
+          </a:bodyPr>
+          <a:lstStyle/>
+          <a:p>
+            <a:r>
+              <a:rPr lang="en-US" sz="2800" smtClean="0">
+                <a:latin typeface="Arial" charset="0"/>
+                <a:ea typeface="Arial" charset="0"/>
+                <a:cs typeface="Arial" charset="0"/>
+              </a:rPr>
+              <a:t>female-family</a:t>
+            </a:r>
+            <a:endParaRPr lang="en-US" sz="2800" dirty="0">
+              <a:latin typeface="Arial" charset="0"/>
+              <a:ea typeface="Arial" charset="0"/>
+              <a:cs typeface="Arial" charset="0"/>
+            </a:endParaRPr>
+          </a:p>
+        </p:txBody>
+      </p:sp>
+      <p:cxnSp>
+        <p:nvCxnSpPr>
+          <p:cNvPr id="46" name="Straight Connector 45"/>
+          <p:cNvCxnSpPr/>
+          <p:nvPr/>
+        </p:nvCxnSpPr>
+        <p:spPr>
+          <a:xfrm flipV="1">
+            <a:off x="1572577" y="25725203"/>
+            <a:ext cx="0" cy="790106"/>
+          </a:xfrm>
+          <a:prstGeom prst="line">
+            <a:avLst/>
+          </a:prstGeom>
+          <a:ln w="101600">
+            <a:solidFill>
+              <a:schemeClr val="tx1"/>
+            </a:solidFill>
+            <a:headEnd type="none" w="med" len="sm"/>
+            <a:tailEnd type="triangle"/>
+          </a:ln>
+        </p:spPr>
+        <p:style>
+          <a:lnRef idx="1">
+            <a:schemeClr val="accent1"/>
+          </a:lnRef>
+          <a:fillRef idx="0">
+            <a:schemeClr val="accent1"/>
+          </a:fillRef>
+          <a:effectRef idx="0">
+            <a:schemeClr val="accent1"/>
+          </a:effectRef>
+          <a:fontRef idx="minor">
+            <a:schemeClr val="tx1"/>
+          </a:fontRef>
+        </p:style>
+      </p:cxnSp>
+      <p:cxnSp>
+        <p:nvCxnSpPr>
+          <p:cNvPr id="7" name="Straight Connector 6"/>
+          <p:cNvCxnSpPr/>
+          <p:nvPr/>
+        </p:nvCxnSpPr>
+        <p:spPr>
+          <a:xfrm>
+            <a:off x="20886497" y="5574604"/>
+            <a:ext cx="0" cy="0"/>
+          </a:xfrm>
+          <a:prstGeom prst="line">
+            <a:avLst/>
+          </a:prstGeom>
+        </p:spPr>
+        <p:style>
+          <a:lnRef idx="1">
+            <a:schemeClr val="accent1"/>
+          </a:lnRef>
+          <a:fillRef idx="0">
+            <a:schemeClr val="accent1"/>
+          </a:fillRef>
+          <a:effectRef idx="0">
+            <a:schemeClr val="accent1"/>
+          </a:effectRef>
+          <a:fontRef idx="minor">
+            <a:schemeClr val="tx1"/>
+          </a:fontRef>
+        </p:style>
+      </p:cxnSp>
+      <p:pic>
+        <p:nvPicPr>
+          <p:cNvPr id="47" name="Picture 46"/>
+          <p:cNvPicPr>
+            <a:picLocks noChangeAspect="1"/>
+          </p:cNvPicPr>
+          <p:nvPr/>
+        </p:nvPicPr>
+        <p:blipFill rotWithShape="1">
+          <a:blip r:embed="rId3">
+            <a:extLst>
+              <a:ext uri="{28A0092B-C50C-407E-A947-70E740481C1C}">
+                <a14:useLocalDpi xmlns:a14="http://schemas.microsoft.com/office/drawing/2010/main" val="0"/>
+              </a:ext>
+            </a:extLst>
+          </a:blip>
+          <a:srcRect t="55680" r="96383" b="1"/>
+          <a:stretch/>
+        </p:blipFill>
+        <p:spPr>
+          <a:xfrm>
+            <a:off x="41134941" y="10914737"/>
+            <a:ext cx="2756259" cy="953208"/>
+          </a:xfrm>
+          <a:prstGeom prst="rect">
+            <a:avLst/>
+          </a:prstGeom>
+        </p:spPr>
+      </p:pic>
+      <p:pic>
+        <p:nvPicPr>
+          <p:cNvPr id="24" name="Picture 23"/>
+          <p:cNvPicPr>
+            <a:picLocks noChangeAspect="1"/>
+          </p:cNvPicPr>
+          <p:nvPr/>
+        </p:nvPicPr>
+        <p:blipFill>
+          <a:blip r:embed="rId8">
             <a:extLst>
               <a:ext uri="{28A0092B-C50C-407E-A947-70E740481C1C}">
                 <a14:useLocalDpi xmlns:a14="http://schemas.microsoft.com/office/drawing/2010/main" val="0"/>
@@ -4226,8 +5672,8 @@
         </p:blipFill>
         <p:spPr>
           <a:xfrm>
-            <a:off x="35565868" y="6899325"/>
-            <a:ext cx="7776496" cy="7170536"/>
+            <a:off x="35499235" y="6420032"/>
+            <a:ext cx="7429500" cy="6629400"/>
           </a:xfrm>
           <a:prstGeom prst="rect">
             <a:avLst/>
@@ -4236,43 +5682,72 @@
       </p:pic>
       <p:pic>
         <p:nvPicPr>
-          <p:cNvPr id="68" name="Picture 67"/>
+          <p:cNvPr id="49" name="Picture 48"/>
           <p:cNvPicPr>
             <a:picLocks noChangeAspect="1"/>
           </p:cNvPicPr>
           <p:nvPr/>
         </p:nvPicPr>
         <p:blipFill rotWithShape="1">
-          <a:blip r:embed="rId5">
+          <a:blip r:embed="rId3">
             <a:extLst>
               <a:ext uri="{28A0092B-C50C-407E-A947-70E740481C1C}">
                 <a14:useLocalDpi xmlns:a14="http://schemas.microsoft.com/office/drawing/2010/main" val="0"/>
               </a:ext>
             </a:extLst>
           </a:blip>
-          <a:srcRect l="1" t="49316" r="83060"/>
+          <a:srcRect t="55680" r="96383" b="1"/>
           <a:stretch/>
         </p:blipFill>
         <p:spPr>
           <a:xfrm>
-            <a:off x="1110686" y="26961227"/>
-            <a:ext cx="2569480" cy="4990240"/>
+            <a:off x="40742805" y="10748238"/>
+            <a:ext cx="2425387" cy="1119707"/>
           </a:xfrm>
           <a:prstGeom prst="rect">
             <a:avLst/>
           </a:prstGeom>
         </p:spPr>
       </p:pic>
-      <p:sp>
-        <p:nvSpPr>
-          <p:cNvPr id="69" name="TextBox 68"/>
+      <p:pic>
+        <p:nvPicPr>
+          <p:cNvPr id="50" name="Picture 49"/>
+          <p:cNvPicPr>
+            <a:picLocks noChangeAspect="1"/>
+          </p:cNvPicPr>
+          <p:nvPr/>
+        </p:nvPicPr>
+        <p:blipFill rotWithShape="1">
+          <a:blip r:embed="rId3">
+            <a:extLst>
+              <a:ext uri="{28A0092B-C50C-407E-A947-70E740481C1C}">
+                <a14:useLocalDpi xmlns:a14="http://schemas.microsoft.com/office/drawing/2010/main" val="0"/>
+              </a:ext>
+            </a:extLst>
+          </a:blip>
+          <a:srcRect t="55680" r="96383" b="1"/>
+          <a:stretch/>
+        </p:blipFill>
+        <p:spPr>
+          <a:xfrm flipV="1">
+            <a:off x="40742805" y="18094719"/>
+            <a:ext cx="2425387" cy="1111407"/>
+          </a:xfrm>
+          <a:prstGeom prst="rect">
+            <a:avLst/>
+          </a:prstGeom>
+        </p:spPr>
+      </p:pic>
+      <p:sp>
+        <p:nvSpPr>
+          <p:cNvPr id="28" name="TextBox 27"/>
           <p:cNvSpPr txBox="1"/>
           <p:nvPr/>
         </p:nvSpPr>
         <p:spPr>
           <a:xfrm>
-            <a:off x="738477" y="22505510"/>
-            <a:ext cx="10695226" cy="646331"/>
+            <a:off x="40742805" y="10697238"/>
+            <a:ext cx="1802096" cy="769441"/>
           </a:xfrm>
           <a:prstGeom prst="rect">
             <a:avLst/>
@@ -4280,20 +5755,37 @@
           <a:noFill/>
         </p:spPr>
         <p:txBody>
-          <a:bodyPr wrap="square" rtlCol="0">
+          <a:bodyPr wrap="none" rtlCol="0">
             <a:spAutoFit/>
           </a:bodyPr>
           <a:lstStyle/>
           <a:p>
             <a:r>
-              <a:rPr lang="en-US" sz="3600" dirty="0" smtClean="0">
-                <a:latin typeface="Arial" charset="0"/>
-                <a:ea typeface="Arial" charset="0"/>
-                <a:cs typeface="Arial" charset="0"/>
-              </a:rPr>
-              <a:t>Implicit psychological gender bias effect size </a:t>
-            </a:r>
-            <a:endParaRPr lang="en-US" sz="5400" dirty="0">
+              <a:rPr lang="en-US" sz="4400" i="1" dirty="0" smtClean="0">
+                <a:solidFill>
+                  <a:srgbClr val="FF0000"/>
+                </a:solidFill>
+                <a:latin typeface="Arial" charset="0"/>
+                <a:ea typeface="Arial" charset="0"/>
+                <a:cs typeface="Arial" charset="0"/>
+              </a:rPr>
+              <a:t>r</a:t>
+            </a:r>
+            <a:r>
+              <a:rPr lang="en-US" sz="4400" dirty="0" smtClean="0">
+                <a:solidFill>
+                  <a:srgbClr val="FF0000"/>
+                </a:solidFill>
+                <a:latin typeface="Arial" charset="0"/>
+                <a:ea typeface="Arial" charset="0"/>
+                <a:cs typeface="Arial" charset="0"/>
+              </a:rPr>
+              <a:t> = .59</a:t>
+            </a:r>
+            <a:endParaRPr lang="en-US" sz="4400" dirty="0">
+              <a:solidFill>
+                <a:srgbClr val="FF0000"/>
+              </a:solidFill>
               <a:latin typeface="Arial" charset="0"/>
               <a:ea typeface="Arial" charset="0"/>
               <a:cs typeface="Arial" charset="0"/>
@@ -4303,14 +5795,14 @@
       </p:sp>
       <p:sp>
         <p:nvSpPr>
-          <p:cNvPr id="70" name="TextBox 69"/>
+          <p:cNvPr id="53" name="TextBox 52"/>
           <p:cNvSpPr txBox="1"/>
           <p:nvPr/>
         </p:nvSpPr>
         <p:spPr>
           <a:xfrm>
-            <a:off x="1144960" y="26577697"/>
-            <a:ext cx="4019395" cy="523220"/>
+            <a:off x="41134941" y="18112122"/>
+            <a:ext cx="1802096" cy="769441"/>
           </a:xfrm>
           <a:prstGeom prst="rect">
             <a:avLst/>
@@ -4318,28 +5810,37 @@
           <a:noFill/>
         </p:spPr>
         <p:txBody>
-          <a:bodyPr wrap="square" rtlCol="0">
+          <a:bodyPr wrap="none" rtlCol="0">
             <a:spAutoFit/>
           </a:bodyPr>
           <a:lstStyle/>
           <a:p>
             <a:r>
-              <a:rPr lang="en-US" sz="2800" dirty="0">
-                <a:latin typeface="Arial" charset="0"/>
-                <a:ea typeface="Arial" charset="0"/>
-                <a:cs typeface="Arial" charset="0"/>
-              </a:rPr>
-              <a:t>f</a:t>
-            </a:r>
-            <a:r>
-              <a:rPr lang="en-US" sz="2800" dirty="0" smtClean="0">
-                <a:latin typeface="Arial" charset="0"/>
-                <a:ea typeface="Arial" charset="0"/>
-                <a:cs typeface="Arial" charset="0"/>
-              </a:rPr>
-              <a:t>emale-family</a:t>
+              <a:rPr lang="en-US" sz="4400" i="1" dirty="0" smtClean="0">
+                <a:solidFill>
+                  <a:srgbClr val="FF0000"/>
+                </a:solidFill>
+                <a:latin typeface="Arial" charset="0"/>
+                <a:ea typeface="Arial" charset="0"/>
+                <a:cs typeface="Arial" charset="0"/>
+              </a:rPr>
+              <a:t>r</a:t>
+            </a:r>
+            <a:r>
+              <a:rPr lang="en-US" sz="4400" dirty="0" smtClean="0">
+                <a:solidFill>
+                  <a:srgbClr val="FF0000"/>
+                </a:solidFill>
+                <a:latin typeface="Arial" charset="0"/>
+                <a:ea typeface="Arial" charset="0"/>
+                <a:cs typeface="Arial" charset="0"/>
+              </a:rPr>
+              <a:t> = .48</a:t>
             </a:r>
             <a:endParaRPr lang="en-US" sz="4400" dirty="0">
+              <a:solidFill>
+                <a:srgbClr val="FF0000"/>
+              </a:solidFill>
               <a:latin typeface="Arial" charset="0"/>
               <a:ea typeface="Arial" charset="0"/>
               <a:cs typeface="Arial" charset="0"/>
@@ -4347,635 +5848,40 @@
           </a:p>
         </p:txBody>
       </p:sp>
-      <p:sp>
-        <p:nvSpPr>
-          <p:cNvPr id="71" name="TextBox 70"/>
-          <p:cNvSpPr txBox="1"/>
+      <p:cxnSp>
+        <p:nvCxnSpPr>
+          <p:cNvPr id="11" name="Straight Connector 10"/>
+          <p:cNvCxnSpPr/>
           <p:nvPr/>
-        </p:nvSpPr>
+        </p:nvCxnSpPr>
         <p:spPr>
           <a:xfrm>
-            <a:off x="1239563" y="31654275"/>
-            <a:ext cx="4019395" cy="523220"/>
+            <a:off x="45247970" y="1454599"/>
+            <a:ext cx="0" cy="27146940"/>
           </a:xfrm>
-          <a:prstGeom prst="rect">
+          <a:prstGeom prst="line">
             <a:avLst/>
           </a:prstGeom>
-          <a:noFill/>
         </p:spPr>
-        <p:txBody>
-          <a:bodyPr wrap="square" rtlCol="0">
-            <a:spAutoFit/>
-          </a:bodyPr>
-          <a:lstStyle/>
-          <a:p>
-            <a:r>
-              <a:rPr lang="en-US" sz="2800" smtClean="0">
-                <a:latin typeface="Arial" charset="0"/>
-                <a:ea typeface="Arial" charset="0"/>
-                <a:cs typeface="Arial" charset="0"/>
-              </a:rPr>
-              <a:t>male-family</a:t>
-            </a:r>
-            <a:endParaRPr lang="en-US" sz="4400" dirty="0">
-              <a:latin typeface="Arial" charset="0"/>
-              <a:ea typeface="Arial" charset="0"/>
-              <a:cs typeface="Arial" charset="0"/>
-            </a:endParaRPr>
-          </a:p>
-        </p:txBody>
-      </p:sp>
-      <p:sp>
-        <p:nvSpPr>
-          <p:cNvPr id="73" name="TextBox 72"/>
-          <p:cNvSpPr txBox="1"/>
-          <p:nvPr/>
-        </p:nvSpPr>
-        <p:spPr>
-          <a:xfrm>
-            <a:off x="700648" y="21064899"/>
-            <a:ext cx="20247041" cy="830997"/>
-          </a:xfrm>
-          <a:prstGeom prst="rect">
-            <a:avLst/>
-          </a:prstGeom>
-          <a:noFill/>
-        </p:spPr>
-        <p:txBody>
-          <a:bodyPr wrap="square" rtlCol="0">
-            <a:spAutoFit/>
-          </a:bodyPr>
-          <a:lstStyle/>
-          <a:p>
-            <a:r>
-              <a:rPr lang="en-US" sz="4800" dirty="0" smtClean="0">
-                <a:latin typeface="Arial" charset="0"/>
-                <a:ea typeface="Arial" charset="0"/>
-                <a:cs typeface="Arial" charset="0"/>
-              </a:rPr>
-              <a:t>Implicit and explicit bias measures correlated (</a:t>
-            </a:r>
-            <a:r>
-              <a:rPr lang="en-US" sz="4800" i="1" dirty="0" smtClean="0">
-                <a:latin typeface="Arial" charset="0"/>
-                <a:ea typeface="Arial" charset="0"/>
-                <a:cs typeface="Arial" charset="0"/>
-              </a:rPr>
-              <a:t>r</a:t>
-            </a:r>
-            <a:r>
-              <a:rPr lang="en-US" sz="4800" dirty="0" smtClean="0">
-                <a:latin typeface="Arial" charset="0"/>
-                <a:ea typeface="Arial" charset="0"/>
-                <a:cs typeface="Arial" charset="0"/>
-              </a:rPr>
-              <a:t> = .15; </a:t>
-            </a:r>
-            <a:r>
-              <a:rPr lang="en-US" sz="4800" i="1" dirty="0" smtClean="0">
-                <a:latin typeface="Arial" charset="0"/>
-                <a:ea typeface="Arial" charset="0"/>
-                <a:cs typeface="Arial" charset="0"/>
-              </a:rPr>
-              <a:t>p</a:t>
-            </a:r>
-            <a:r>
-              <a:rPr lang="en-US" sz="4800" dirty="0" smtClean="0">
-                <a:latin typeface="Arial" charset="0"/>
-                <a:ea typeface="Arial" charset="0"/>
-                <a:cs typeface="Arial" charset="0"/>
-              </a:rPr>
-              <a:t> &lt; .0001)</a:t>
-            </a:r>
-            <a:endParaRPr lang="en-US" sz="4800" dirty="0">
-              <a:latin typeface="Arial" charset="0"/>
-              <a:ea typeface="Arial" charset="0"/>
-              <a:cs typeface="Arial" charset="0"/>
-            </a:endParaRPr>
-          </a:p>
-        </p:txBody>
-      </p:sp>
-      <p:sp>
-        <p:nvSpPr>
-          <p:cNvPr id="74" name="TextBox 73"/>
-          <p:cNvSpPr txBox="1"/>
-          <p:nvPr/>
-        </p:nvSpPr>
-        <p:spPr>
-          <a:xfrm>
-            <a:off x="20825307" y="7349977"/>
-            <a:ext cx="14340981" cy="12588061"/>
-          </a:xfrm>
-          <a:prstGeom prst="rect">
-            <a:avLst/>
-          </a:prstGeom>
-          <a:noFill/>
-        </p:spPr>
-        <p:txBody>
-          <a:bodyPr wrap="square" rtlCol="0">
-            <a:spAutoFit/>
-          </a:bodyPr>
-          <a:lstStyle/>
-          <a:p>
-            <a:r>
-              <a:rPr lang="en-US" sz="4800" dirty="0" smtClean="0">
-                <a:latin typeface="Arial" charset="0"/>
-                <a:ea typeface="Arial" charset="0"/>
-                <a:cs typeface="Arial" charset="0"/>
-              </a:rPr>
-              <a:t>Measure gender bias in language using word-embedding models trained on Wikipedia</a:t>
-            </a:r>
-            <a:r>
-              <a:rPr lang="en-US" sz="4400" dirty="0" smtClean="0">
-                <a:latin typeface="Arial" charset="0"/>
-                <a:ea typeface="Arial" charset="0"/>
-                <a:cs typeface="Arial" charset="0"/>
-              </a:rPr>
-              <a:t> </a:t>
-            </a:r>
-            <a:r>
-              <a:rPr lang="en-US" sz="3600" dirty="0" smtClean="0">
-                <a:latin typeface="Arial" charset="0"/>
-                <a:ea typeface="Arial" charset="0"/>
-                <a:cs typeface="Arial" charset="0"/>
-              </a:rPr>
-              <a:t>(Bojanowski, Grave, </a:t>
-            </a:r>
-            <a:r>
-              <a:rPr lang="en-US" sz="3600" dirty="0" err="1" smtClean="0">
-                <a:latin typeface="Arial" charset="0"/>
-                <a:ea typeface="Arial" charset="0"/>
-                <a:cs typeface="Arial" charset="0"/>
-              </a:rPr>
-              <a:t>Joulin</a:t>
-            </a:r>
-            <a:r>
-              <a:rPr lang="en-US" sz="3600" dirty="0" smtClean="0">
-                <a:latin typeface="Arial" charset="0"/>
-                <a:ea typeface="Arial" charset="0"/>
-                <a:cs typeface="Arial" charset="0"/>
-              </a:rPr>
-              <a:t>, &amp; </a:t>
-            </a:r>
-            <a:r>
-              <a:rPr lang="en-US" sz="3600" dirty="0" err="1" smtClean="0">
-                <a:latin typeface="Arial" charset="0"/>
-                <a:ea typeface="Arial" charset="0"/>
-                <a:cs typeface="Arial" charset="0"/>
-              </a:rPr>
-              <a:t>Mikolov</a:t>
-            </a:r>
-            <a:r>
-              <a:rPr lang="en-US" sz="3600" dirty="0" smtClean="0">
-                <a:latin typeface="Arial" charset="0"/>
-                <a:ea typeface="Arial" charset="0"/>
-                <a:cs typeface="Arial" charset="0"/>
-              </a:rPr>
-              <a:t>, 2016)</a:t>
-            </a:r>
-          </a:p>
-          <a:p>
-            <a:endParaRPr lang="en-US" sz="4000" dirty="0">
-              <a:latin typeface="Arial" charset="0"/>
-              <a:ea typeface="Arial" charset="0"/>
-              <a:cs typeface="Arial" charset="0"/>
-            </a:endParaRPr>
-          </a:p>
-          <a:p>
-            <a:r>
-              <a:rPr lang="en-US" sz="4800" dirty="0" smtClean="0">
-                <a:latin typeface="Arial" charset="0"/>
-                <a:ea typeface="Arial" charset="0"/>
-                <a:cs typeface="Arial" charset="0"/>
-              </a:rPr>
-              <a:t>In English, male-female gender association of a word strongly correlated with explicit gender ratings </a:t>
-            </a:r>
-            <a:r>
-              <a:rPr lang="en-US" sz="3600" dirty="0" smtClean="0">
-                <a:latin typeface="Arial" charset="0"/>
-                <a:ea typeface="Arial" charset="0"/>
-                <a:cs typeface="Arial" charset="0"/>
-              </a:rPr>
-              <a:t>(</a:t>
-            </a:r>
-            <a:r>
-              <a:rPr lang="en-US" sz="3600" i="1" dirty="0" smtClean="0">
-                <a:latin typeface="Arial" charset="0"/>
-                <a:ea typeface="Arial" charset="0"/>
-                <a:cs typeface="Arial" charset="0"/>
-              </a:rPr>
-              <a:t>r</a:t>
-            </a:r>
-            <a:r>
-              <a:rPr lang="en-US" sz="3600" dirty="0" smtClean="0">
-                <a:latin typeface="Arial" charset="0"/>
-                <a:ea typeface="Arial" charset="0"/>
-                <a:cs typeface="Arial" charset="0"/>
-              </a:rPr>
-              <a:t> = .85; </a:t>
-            </a:r>
-            <a:r>
-              <a:rPr lang="en-US" sz="3600" i="1" dirty="0" smtClean="0">
-                <a:latin typeface="Arial" charset="0"/>
-                <a:ea typeface="Arial" charset="0"/>
-                <a:cs typeface="Arial" charset="0"/>
-              </a:rPr>
-              <a:t>p</a:t>
-            </a:r>
-            <a:r>
-              <a:rPr lang="en-US" sz="3600" dirty="0" smtClean="0">
-                <a:latin typeface="Arial" charset="0"/>
-                <a:ea typeface="Arial" charset="0"/>
-                <a:cs typeface="Arial" charset="0"/>
-              </a:rPr>
-              <a:t> &lt;. 001; Scott et al., 2017)</a:t>
-            </a:r>
-            <a:endParaRPr lang="en-US" sz="3600" dirty="0">
-              <a:latin typeface="Arial" charset="0"/>
-              <a:ea typeface="Arial" charset="0"/>
-              <a:cs typeface="Arial" charset="0"/>
-            </a:endParaRPr>
-          </a:p>
-          <a:p>
-            <a:endParaRPr lang="en-US" sz="4800" dirty="0" smtClean="0">
-              <a:latin typeface="Arial" charset="0"/>
-              <a:ea typeface="Arial" charset="0"/>
-              <a:cs typeface="Arial" charset="0"/>
-            </a:endParaRPr>
-          </a:p>
-          <a:p>
-            <a:r>
-              <a:rPr lang="en-US" sz="4800" dirty="0" smtClean="0">
-                <a:latin typeface="Arial" charset="0"/>
-                <a:ea typeface="Arial" charset="0"/>
-                <a:cs typeface="Arial" charset="0"/>
-              </a:rPr>
-              <a:t>Conducted linguistic analog to behavioral IAT using English word embedding models</a:t>
-            </a:r>
-            <a:r>
-              <a:rPr lang="en-US" sz="3600" dirty="0" smtClean="0">
-                <a:latin typeface="Arial" charset="0"/>
-                <a:ea typeface="Arial" charset="0"/>
-                <a:cs typeface="Arial" charset="0"/>
-              </a:rPr>
-              <a:t> (replicating </a:t>
-            </a:r>
-            <a:r>
-              <a:rPr lang="en-US" sz="3600" dirty="0" err="1" smtClean="0">
-                <a:latin typeface="Arial" charset="0"/>
-                <a:ea typeface="Arial" charset="0"/>
-                <a:cs typeface="Arial" charset="0"/>
-              </a:rPr>
-              <a:t>Caliskan</a:t>
-            </a:r>
-            <a:r>
-              <a:rPr lang="en-US" sz="3600" dirty="0" smtClean="0">
-                <a:latin typeface="Arial" charset="0"/>
-                <a:ea typeface="Arial" charset="0"/>
-                <a:cs typeface="Arial" charset="0"/>
-              </a:rPr>
-              <a:t>, et al., 2017)</a:t>
-            </a:r>
-          </a:p>
-          <a:p>
-            <a:endParaRPr lang="en-US" sz="4000" dirty="0">
-              <a:latin typeface="Arial" charset="0"/>
-              <a:ea typeface="Arial" charset="0"/>
-              <a:cs typeface="Arial" charset="0"/>
-            </a:endParaRPr>
-          </a:p>
-          <a:p>
-            <a:r>
-              <a:rPr lang="en-US" sz="4800" dirty="0" smtClean="0">
-                <a:latin typeface="Arial" charset="0"/>
-                <a:ea typeface="Arial" charset="0"/>
-                <a:cs typeface="Arial" charset="0"/>
-              </a:rPr>
-              <a:t>Translated target words into 35 languages by native speakers, and conducted language IAT using model trained on each language.</a:t>
-            </a:r>
-          </a:p>
-          <a:p>
-            <a:endParaRPr lang="en-US" sz="4800" dirty="0">
-              <a:latin typeface="Arial" charset="0"/>
-              <a:ea typeface="Arial" charset="0"/>
-              <a:cs typeface="Arial" charset="0"/>
-            </a:endParaRPr>
-          </a:p>
-          <a:p>
-            <a:r>
-              <a:rPr lang="en-US" sz="4800" dirty="0" smtClean="0">
-                <a:latin typeface="Arial" charset="0"/>
-                <a:ea typeface="Arial" charset="0"/>
-                <a:cs typeface="Arial" charset="0"/>
-              </a:rPr>
-              <a:t>Behavioral and language IAT measures strongly correlated at the level of languages (</a:t>
-            </a:r>
-            <a:r>
-              <a:rPr lang="en-US" sz="4800" i="1" dirty="0" smtClean="0">
-                <a:latin typeface="Arial" charset="0"/>
-                <a:ea typeface="Arial" charset="0"/>
-                <a:cs typeface="Arial" charset="0"/>
-              </a:rPr>
-              <a:t>r</a:t>
-            </a:r>
-            <a:r>
-              <a:rPr lang="en-US" sz="4800" dirty="0" smtClean="0">
-                <a:latin typeface="Arial" charset="0"/>
-                <a:ea typeface="Arial" charset="0"/>
-                <a:cs typeface="Arial" charset="0"/>
-              </a:rPr>
-              <a:t> = .48; </a:t>
-            </a:r>
-            <a:r>
-              <a:rPr lang="en-US" sz="4800" i="1" dirty="0" smtClean="0">
-                <a:latin typeface="Arial" charset="0"/>
-                <a:ea typeface="Arial" charset="0"/>
-                <a:cs typeface="Arial" charset="0"/>
-              </a:rPr>
-              <a:t>p</a:t>
-            </a:r>
-            <a:r>
-              <a:rPr lang="en-US" sz="4800" dirty="0" smtClean="0">
-                <a:latin typeface="Arial" charset="0"/>
-                <a:ea typeface="Arial" charset="0"/>
-                <a:cs typeface="Arial" charset="0"/>
-              </a:rPr>
-              <a:t> = .03) </a:t>
-            </a:r>
-            <a:endParaRPr lang="en-US" sz="4800" dirty="0">
-              <a:latin typeface="Arial" charset="0"/>
-              <a:ea typeface="Arial" charset="0"/>
-              <a:cs typeface="Arial" charset="0"/>
-            </a:endParaRPr>
-          </a:p>
-        </p:txBody>
-      </p:sp>
-      <p:sp>
-        <p:nvSpPr>
-          <p:cNvPr id="75" name="TextBox 74"/>
-          <p:cNvSpPr txBox="1"/>
-          <p:nvPr/>
-        </p:nvSpPr>
-        <p:spPr>
-          <a:xfrm>
-            <a:off x="20886497" y="22430063"/>
-            <a:ext cx="14679371" cy="6001643"/>
-          </a:xfrm>
-          <a:prstGeom prst="rect">
-            <a:avLst/>
-          </a:prstGeom>
-          <a:noFill/>
-        </p:spPr>
-        <p:txBody>
-          <a:bodyPr wrap="square" rtlCol="0">
-            <a:spAutoFit/>
-          </a:bodyPr>
-          <a:lstStyle/>
-          <a:p>
-            <a:r>
-              <a:rPr lang="en-US" sz="4800" dirty="0" smtClean="0">
-                <a:latin typeface="Arial" charset="0"/>
-                <a:ea typeface="Arial" charset="0"/>
-                <a:cs typeface="Arial" charset="0"/>
-              </a:rPr>
-              <a:t>Languages with grammatical gender tend to have speakers with greater psychological gender bias, compared to speakers of non-grammatical gender languages (</a:t>
-            </a:r>
-            <a:r>
-              <a:rPr lang="en-US" sz="4800" i="1" dirty="0" smtClean="0">
-                <a:latin typeface="Arial" charset="0"/>
-                <a:ea typeface="Arial" charset="0"/>
-                <a:cs typeface="Arial" charset="0"/>
-              </a:rPr>
-              <a:t>d </a:t>
-            </a:r>
-            <a:r>
-              <a:rPr lang="en-US" sz="4800" dirty="0" smtClean="0">
-                <a:latin typeface="Arial" charset="0"/>
-                <a:ea typeface="Arial" charset="0"/>
-                <a:cs typeface="Arial" charset="0"/>
-              </a:rPr>
-              <a:t>= 0.68 [-0.08, 1.45]).</a:t>
-            </a:r>
-          </a:p>
-          <a:p>
-            <a:endParaRPr lang="en-US" sz="4800" dirty="0">
-              <a:latin typeface="Arial" charset="0"/>
-              <a:ea typeface="Arial" charset="0"/>
-              <a:cs typeface="Arial" charset="0"/>
-            </a:endParaRPr>
-          </a:p>
-          <a:p>
-            <a:r>
-              <a:rPr lang="en-US" sz="4800" dirty="0" smtClean="0">
-                <a:latin typeface="Arial" charset="0"/>
-                <a:ea typeface="Arial" charset="0"/>
-                <a:cs typeface="Arial" charset="0"/>
-              </a:rPr>
-              <a:t>Grammatical gender languages have larger language IAT gender biases, compared to </a:t>
-            </a:r>
-            <a:r>
-              <a:rPr lang="en-US" sz="4800" dirty="0" smtClean="0">
-                <a:latin typeface="Arial" charset="0"/>
-                <a:ea typeface="Arial" charset="0"/>
-                <a:cs typeface="Arial" charset="0"/>
-              </a:rPr>
-              <a:t>non-grammatical gender languages </a:t>
-            </a:r>
-            <a:r>
-              <a:rPr lang="en-US" sz="4800" dirty="0" smtClean="0">
-                <a:latin typeface="Arial" charset="0"/>
-                <a:ea typeface="Arial" charset="0"/>
-                <a:cs typeface="Arial" charset="0"/>
-              </a:rPr>
-              <a:t>(t(17.68) = 2.18; </a:t>
-            </a:r>
-            <a:r>
-              <a:rPr lang="en-US" sz="4800" i="1" dirty="0" smtClean="0">
-                <a:latin typeface="Arial" charset="0"/>
-                <a:ea typeface="Arial" charset="0"/>
-                <a:cs typeface="Arial" charset="0"/>
-              </a:rPr>
-              <a:t>p</a:t>
-            </a:r>
-            <a:r>
-              <a:rPr lang="en-US" sz="4800" dirty="0" smtClean="0">
-                <a:latin typeface="Arial" charset="0"/>
-                <a:ea typeface="Arial" charset="0"/>
-                <a:cs typeface="Arial" charset="0"/>
-              </a:rPr>
-              <a:t> = 0.04).</a:t>
-            </a:r>
-            <a:endParaRPr lang="en-US" sz="4800" dirty="0">
-              <a:latin typeface="Arial" charset="0"/>
-              <a:ea typeface="Arial" charset="0"/>
-              <a:cs typeface="Arial" charset="0"/>
-            </a:endParaRPr>
-          </a:p>
-        </p:txBody>
-      </p:sp>
-      <p:sp>
-        <p:nvSpPr>
-          <p:cNvPr id="77" name="TextBox 76"/>
-          <p:cNvSpPr txBox="1"/>
-          <p:nvPr/>
-        </p:nvSpPr>
-        <p:spPr>
-          <a:xfrm>
-            <a:off x="21335216" y="30069225"/>
-            <a:ext cx="22007148" cy="3170099"/>
-          </a:xfrm>
-          <a:prstGeom prst="rect">
-            <a:avLst/>
-          </a:prstGeom>
-          <a:noFill/>
-        </p:spPr>
-        <p:txBody>
-          <a:bodyPr wrap="square" rtlCol="0">
-            <a:spAutoFit/>
-          </a:bodyPr>
-          <a:lstStyle/>
-          <a:p>
-            <a:r>
-              <a:rPr lang="en-US" sz="4000" dirty="0" smtClean="0">
-                <a:latin typeface="Arial" charset="0"/>
-                <a:ea typeface="Arial" charset="0"/>
-                <a:cs typeface="Arial" charset="0"/>
-              </a:rPr>
-              <a:t>Languages that have larger gender biases encoded in their lexical semantics (Study 2) and have grammatical gender markers (Study 3) tend to have speakers with larger implicit gender bias.</a:t>
-            </a:r>
-          </a:p>
-          <a:p>
-            <a:endParaRPr lang="en-US" sz="4000" dirty="0">
-              <a:latin typeface="Arial" charset="0"/>
-              <a:ea typeface="Arial" charset="0"/>
-              <a:cs typeface="Arial" charset="0"/>
-            </a:endParaRPr>
-          </a:p>
-          <a:p>
-            <a:r>
-              <a:rPr lang="en-US" sz="4000" dirty="0" smtClean="0">
-                <a:latin typeface="Arial" charset="0"/>
-                <a:ea typeface="Arial" charset="0"/>
-                <a:cs typeface="Arial" charset="0"/>
-              </a:rPr>
-              <a:t>Studies 2 and 3 consistent with both language-as-reflection and language-as-causal hypotheses, while Study 3 provides some evidence in favor of the language-as-causal-hypothesis.</a:t>
-            </a:r>
-            <a:endParaRPr lang="en-US" sz="4000" dirty="0">
-              <a:latin typeface="Arial" charset="0"/>
-              <a:ea typeface="Arial" charset="0"/>
-              <a:cs typeface="Arial" charset="0"/>
-            </a:endParaRPr>
-          </a:p>
-        </p:txBody>
-      </p:sp>
+        <p:style>
+          <a:lnRef idx="1">
+            <a:schemeClr val="accent1"/>
+          </a:lnRef>
+          <a:fillRef idx="0">
+            <a:schemeClr val="accent1"/>
+          </a:fillRef>
+          <a:effectRef idx="0">
+            <a:schemeClr val="accent1"/>
+          </a:effectRef>
+          <a:fontRef idx="minor">
+            <a:schemeClr val="tx1"/>
+          </a:fontRef>
+        </p:style>
+      </p:cxnSp>
     </p:spTree>
     <p:extLst>
       <p:ext uri="{BB962C8B-B14F-4D97-AF65-F5344CB8AC3E}">
         <p14:creationId xmlns:p14="http://schemas.microsoft.com/office/powerpoint/2010/main" val="2146900235"/>
-      </p:ext>
-    </p:extLst>
-  </p:cSld>
-  <p:clrMapOvr>
-    <a:masterClrMapping/>
-  </p:clrMapOvr>
-  <p:timing>
-    <p:tnLst>
-      <p:par>
-        <p:cTn id="1" dur="indefinite" restart="never" nodeType="tmRoot"/>
-      </p:par>
-    </p:tnLst>
-  </p:timing>
-</p:sld>
-</file>
-
-<file path=ppt/slides/slide2.xml><?xml version="1.0" encoding="utf-8"?>
-<p:sld xmlns:a="http://schemas.openxmlformats.org/drawingml/2006/main" xmlns:r="http://schemas.openxmlformats.org/officeDocument/2006/relationships" xmlns:p="http://schemas.openxmlformats.org/presentationml/2006/main">
-  <p:cSld>
-    <p:spTree>
-      <p:nvGrpSpPr>
-        <p:cNvPr id="1" name=""/>
-        <p:cNvGrpSpPr/>
-        <p:nvPr/>
-      </p:nvGrpSpPr>
-      <p:grpSpPr>
-        <a:xfrm>
-          <a:off x="0" y="0"/>
-          <a:ext cx="0" cy="0"/>
-          <a:chOff x="0" y="0"/>
-          <a:chExt cx="0" cy="0"/>
-        </a:xfrm>
-      </p:grpSpPr>
-      <p:sp>
-        <p:nvSpPr>
-          <p:cNvPr id="2" name="Title 1"/>
-          <p:cNvSpPr>
-            <a:spLocks noGrp="1"/>
-          </p:cNvSpPr>
-          <p:nvPr>
-            <p:ph type="title"/>
-          </p:nvPr>
-        </p:nvSpPr>
-        <p:spPr/>
-        <p:txBody>
-          <a:bodyPr/>
-          <a:lstStyle/>
-          <a:p>
-            <a:endParaRPr lang="en-US"/>
-          </a:p>
-        </p:txBody>
-      </p:sp>
-      <p:sp>
-        <p:nvSpPr>
-          <p:cNvPr id="3" name="Content Placeholder 2"/>
-          <p:cNvSpPr>
-            <a:spLocks noGrp="1"/>
-          </p:cNvSpPr>
-          <p:nvPr>
-            <p:ph idx="1"/>
-          </p:nvPr>
-        </p:nvSpPr>
-        <p:spPr/>
-        <p:txBody>
-          <a:bodyPr/>
-          <a:lstStyle/>
-          <a:p>
-            <a:endParaRPr lang="en-US" dirty="0"/>
-          </a:p>
-        </p:txBody>
-      </p:sp>
-      <p:pic>
-        <p:nvPicPr>
-          <p:cNvPr id="4" name="Picture 3"/>
-          <p:cNvPicPr>
-            <a:picLocks noChangeAspect="1"/>
-          </p:cNvPicPr>
-          <p:nvPr/>
-        </p:nvPicPr>
-        <p:blipFill rotWithShape="1">
-          <a:blip r:embed="rId2">
-            <a:extLst>
-              <a:ext uri="{28A0092B-C50C-407E-A947-70E740481C1C}">
-                <a14:useLocalDpi xmlns:a14="http://schemas.microsoft.com/office/drawing/2010/main" val="0"/>
-              </a:ext>
-            </a:extLst>
-          </a:blip>
-          <a:srcRect l="1" t="49316" r="83060"/>
-          <a:stretch/>
-        </p:blipFill>
-        <p:spPr>
-          <a:xfrm>
-            <a:off x="12870952" y="12209929"/>
-            <a:ext cx="2996577" cy="5819714"/>
-          </a:xfrm>
-          <a:prstGeom prst="rect">
-            <a:avLst/>
-          </a:prstGeom>
-        </p:spPr>
-      </p:pic>
-    </p:spTree>
-    <p:extLst>
-      <p:ext uri="{BB962C8B-B14F-4D97-AF65-F5344CB8AC3E}">
-        <p14:creationId xmlns:p14="http://schemas.microsoft.com/office/powerpoint/2010/main" val="1015570804"/>
       </p:ext>
     </p:extLst>
   </p:cSld>
@@ -5251,4 +6157,265 @@
     </a:ext>
   </a:extLst>
 </a:theme>
+</file>
+
+<file path=ppt/theme/theme2.xml><?xml version="1.0" encoding="utf-8"?>
+<a:theme xmlns:a="http://schemas.openxmlformats.org/drawingml/2006/main" name="Office Theme">
+  <a:themeElements>
+    <a:clrScheme name="Office">
+      <a:dk1>
+        <a:sysClr val="windowText" lastClr="000000"/>
+      </a:dk1>
+      <a:lt1>
+        <a:sysClr val="window" lastClr="FFFFFF"/>
+      </a:lt1>
+      <a:dk2>
+        <a:srgbClr val="44546A"/>
+      </a:dk2>
+      <a:lt2>
+        <a:srgbClr val="E7E6E6"/>
+      </a:lt2>
+      <a:accent1>
+        <a:srgbClr val="4472C4"/>
+      </a:accent1>
+      <a:accent2>
+        <a:srgbClr val="ED7D31"/>
+      </a:accent2>
+      <a:accent3>
+        <a:srgbClr val="A5A5A5"/>
+      </a:accent3>
+      <a:accent4>
+        <a:srgbClr val="FFC000"/>
+      </a:accent4>
+      <a:accent5>
+        <a:srgbClr val="5B9BD5"/>
+      </a:accent5>
+      <a:accent6>
+        <a:srgbClr val="70AD47"/>
+      </a:accent6>
+      <a:hlink>
+        <a:srgbClr val="0563C1"/>
+      </a:hlink>
+      <a:folHlink>
+        <a:srgbClr val="954F72"/>
+      </a:folHlink>
+    </a:clrScheme>
+    <a:fontScheme name="Office">
+      <a:majorFont>
+        <a:latin typeface="Calibri Light" panose="020F0302020204030204"/>
+        <a:ea typeface=""/>
+        <a:cs typeface=""/>
+        <a:font script="Jpan" typeface="Yu Gothic Light"/>
+        <a:font script="Hang" typeface="맑은 고딕"/>
+        <a:font script="Hans" typeface="DengXian Light"/>
+        <a:font script="Hant" typeface="新細明體"/>
+        <a:font script="Arab" typeface="Times New Roman"/>
+        <a:font script="Hebr" typeface="Times New Roman"/>
+        <a:font script="Thai" typeface="Angsana New"/>
+        <a:font script="Ethi" typeface="Nyala"/>
+        <a:font script="Beng" typeface="Vrinda"/>
+        <a:font script="Gujr" typeface="Shruti"/>
+        <a:font script="Khmr" typeface="MoolBoran"/>
+        <a:font script="Knda" typeface="Tunga"/>
+        <a:font script="Guru" typeface="Raavi"/>
+        <a:font script="Cans" typeface="Euphemia"/>
+        <a:font script="Cher" typeface="Plantagenet Cherokee"/>
+        <a:font script="Yiii" typeface="Microsoft Yi Baiti"/>
+        <a:font script="Tibt" typeface="Microsoft Himalaya"/>
+        <a:font script="Thaa" typeface="MV Boli"/>
+        <a:font script="Deva" typeface="Mangal"/>
+        <a:font script="Telu" typeface="Gautami"/>
+        <a:font script="Taml" typeface="Latha"/>
+        <a:font script="Syrc" typeface="Estrangelo Edessa"/>
+        <a:font script="Orya" typeface="Kalinga"/>
+        <a:font script="Mlym" typeface="Kartika"/>
+        <a:font script="Laoo" typeface="DokChampa"/>
+        <a:font script="Sinh" typeface="Iskoola Pota"/>
+        <a:font script="Mong" typeface="Mongolian Baiti"/>
+        <a:font script="Viet" typeface="Times New Roman"/>
+        <a:font script="Uigh" typeface="Microsoft Uighur"/>
+        <a:font script="Geor" typeface="Sylfaen"/>
+      </a:majorFont>
+      <a:minorFont>
+        <a:latin typeface="Calibri" panose="020F0502020204030204"/>
+        <a:ea typeface=""/>
+        <a:cs typeface=""/>
+        <a:font script="Jpan" typeface="Yu Gothic"/>
+        <a:font script="Hang" typeface="맑은 고딕"/>
+        <a:font script="Hans" typeface="DengXian"/>
+        <a:font script="Hant" typeface="新細明體"/>
+        <a:font script="Arab" typeface="Arial"/>
+        <a:font script="Hebr" typeface="Arial"/>
+        <a:font script="Thai" typeface="Cordia New"/>
+        <a:font script="Ethi" typeface="Nyala"/>
+        <a:font script="Beng" typeface="Vrinda"/>
+        <a:font script="Gujr" typeface="Shruti"/>
+        <a:font script="Khmr" typeface="DaunPenh"/>
+        <a:font script="Knda" typeface="Tunga"/>
+        <a:font script="Guru" typeface="Raavi"/>
+        <a:font script="Cans" typeface="Euphemia"/>
+        <a:font script="Cher" typeface="Plantagenet Cherokee"/>
+        <a:font script="Yiii" typeface="Microsoft Yi Baiti"/>
+        <a:font script="Tibt" typeface="Microsoft Himalaya"/>
+        <a:font script="Thaa" typeface="MV Boli"/>
+        <a:font script="Deva" typeface="Mangal"/>
+        <a:font script="Telu" typeface="Gautami"/>
+        <a:font script="Taml" typeface="Latha"/>
+        <a:font script="Syrc" typeface="Estrangelo Edessa"/>
+        <a:font script="Orya" typeface="Kalinga"/>
+        <a:font script="Mlym" typeface="Kartika"/>
+        <a:font script="Laoo" typeface="DokChampa"/>
+        <a:font script="Sinh" typeface="Iskoola Pota"/>
+        <a:font script="Mong" typeface="Mongolian Baiti"/>
+        <a:font script="Viet" typeface="Arial"/>
+        <a:font script="Uigh" typeface="Microsoft Uighur"/>
+        <a:font script="Geor" typeface="Sylfaen"/>
+      </a:minorFont>
+    </a:fontScheme>
+    <a:fmtScheme name="Office">
+      <a:fillStyleLst>
+        <a:solidFill>
+          <a:schemeClr val="phClr"/>
+        </a:solidFill>
+        <a:gradFill rotWithShape="1">
+          <a:gsLst>
+            <a:gs pos="0">
+              <a:schemeClr val="phClr">
+                <a:lumMod val="110000"/>
+                <a:satMod val="105000"/>
+                <a:tint val="67000"/>
+              </a:schemeClr>
+            </a:gs>
+            <a:gs pos="50000">
+              <a:schemeClr val="phClr">
+                <a:lumMod val="105000"/>
+                <a:satMod val="103000"/>
+                <a:tint val="73000"/>
+              </a:schemeClr>
+            </a:gs>
+            <a:gs pos="100000">
+              <a:schemeClr val="phClr">
+                <a:lumMod val="105000"/>
+                <a:satMod val="109000"/>
+                <a:tint val="81000"/>
+              </a:schemeClr>
+            </a:gs>
+          </a:gsLst>
+          <a:lin ang="5400000" scaled="0"/>
+        </a:gradFill>
+        <a:gradFill rotWithShape="1">
+          <a:gsLst>
+            <a:gs pos="0">
+              <a:schemeClr val="phClr">
+                <a:satMod val="103000"/>
+                <a:lumMod val="102000"/>
+                <a:tint val="94000"/>
+              </a:schemeClr>
+            </a:gs>
+            <a:gs pos="50000">
+              <a:schemeClr val="phClr">
+                <a:satMod val="110000"/>
+                <a:lumMod val="100000"/>
+                <a:shade val="100000"/>
+              </a:schemeClr>
+            </a:gs>
+            <a:gs pos="100000">
+              <a:schemeClr val="phClr">
+                <a:lumMod val="99000"/>
+                <a:satMod val="120000"/>
+                <a:shade val="78000"/>
+              </a:schemeClr>
+            </a:gs>
+          </a:gsLst>
+          <a:lin ang="5400000" scaled="0"/>
+        </a:gradFill>
+      </a:fillStyleLst>
+      <a:lnStyleLst>
+        <a:ln w="6350" cap="flat" cmpd="sng" algn="ctr">
+          <a:solidFill>
+            <a:schemeClr val="phClr"/>
+          </a:solidFill>
+          <a:prstDash val="solid"/>
+          <a:miter lim="800000"/>
+        </a:ln>
+        <a:ln w="12700" cap="flat" cmpd="sng" algn="ctr">
+          <a:solidFill>
+            <a:schemeClr val="phClr"/>
+          </a:solidFill>
+          <a:prstDash val="solid"/>
+          <a:miter lim="800000"/>
+        </a:ln>
+        <a:ln w="19050" cap="flat" cmpd="sng" algn="ctr">
+          <a:solidFill>
+            <a:schemeClr val="phClr"/>
+          </a:solidFill>
+          <a:prstDash val="solid"/>
+          <a:miter lim="800000"/>
+        </a:ln>
+      </a:lnStyleLst>
+      <a:effectStyleLst>
+        <a:effectStyle>
+          <a:effectLst/>
+        </a:effectStyle>
+        <a:effectStyle>
+          <a:effectLst/>
+        </a:effectStyle>
+        <a:effectStyle>
+          <a:effectLst>
+            <a:outerShdw blurRad="57150" dist="19050" dir="5400000" algn="ctr" rotWithShape="0">
+              <a:srgbClr val="000000">
+                <a:alpha val="63000"/>
+              </a:srgbClr>
+            </a:outerShdw>
+          </a:effectLst>
+        </a:effectStyle>
+      </a:effectStyleLst>
+      <a:bgFillStyleLst>
+        <a:solidFill>
+          <a:schemeClr val="phClr"/>
+        </a:solidFill>
+        <a:solidFill>
+          <a:schemeClr val="phClr">
+            <a:tint val="95000"/>
+            <a:satMod val="170000"/>
+          </a:schemeClr>
+        </a:solidFill>
+        <a:gradFill rotWithShape="1">
+          <a:gsLst>
+            <a:gs pos="0">
+              <a:schemeClr val="phClr">
+                <a:tint val="93000"/>
+                <a:satMod val="150000"/>
+                <a:shade val="98000"/>
+                <a:lumMod val="102000"/>
+              </a:schemeClr>
+            </a:gs>
+            <a:gs pos="50000">
+              <a:schemeClr val="phClr">
+                <a:tint val="98000"/>
+                <a:satMod val="130000"/>
+                <a:shade val="90000"/>
+                <a:lumMod val="103000"/>
+              </a:schemeClr>
+            </a:gs>
+            <a:gs pos="100000">
+              <a:schemeClr val="phClr">
+                <a:shade val="63000"/>
+                <a:satMod val="120000"/>
+              </a:schemeClr>
+            </a:gs>
+          </a:gsLst>
+          <a:lin ang="5400000" scaled="0"/>
+        </a:gradFill>
+      </a:bgFillStyleLst>
+    </a:fmtScheme>
+  </a:themeElements>
+  <a:objectDefaults/>
+  <a:extraClrSchemeLst/>
+  <a:extLst>
+    <a:ext uri="{05A4C25C-085E-4340-85A3-A5531E510DB2}">
+      <thm15:themeFamily xmlns:thm15="http://schemas.microsoft.com/office/thememl/2012/main" name="Office Theme" id="{62F939B6-93AF-4DB8-9C6B-D6C7DFDC589F}" vid="{4A3C46E8-61CC-4603-A589-7422A47A8E4A}"/>
+    </a:ext>
+  </a:extLst>
+</a:theme>
 </file>